--- a/LINEAR REGRESSION.pptx
+++ b/LINEAR REGRESSION.pptx
@@ -124,6 +124,11 @@
       </a:defRPr>
     </a:lvl9pPr>
   </p:defaultTextStyle>
+  <p:extLst>
+    <p:ext uri="{EFAFB233-063F-42B5-8137-9DF3F51BA10A}">
+      <p15:sldGuideLst xmlns:p15="http://schemas.microsoft.com/office/powerpoint/2012/main"/>
+    </p:ext>
+  </p:extLst>
 </p:presentation>
 </file>
 
@@ -177,7 +182,7 @@
           <a:noFill/>
           <a:extLst>
             <a:ext uri="{909E8E84-426E-40dd-AFC4-6F175D3DCCD1}">
-              <a14:hiddenFill xmlns:a14="http://schemas.microsoft.com/office/drawing/2010/main" xmlns="">
+              <a14:hiddenFill xmlns="" xmlns:a14="http://schemas.microsoft.com/office/drawing/2010/main">
                 <a:solidFill>
                   <a:srgbClr val="FFFFFF"/>
                 </a:solidFill>
@@ -237,7 +242,7 @@
             </a:ln>
             <a:extLst>
               <a:ext uri="{91240B29-F687-4f45-9708-019B960494DF}">
-                <a14:hiddenLine xmlns:a14="http://schemas.microsoft.com/office/drawing/2010/main" xmlns="" w="9525">
+                <a14:hiddenLine xmlns="" xmlns:a14="http://schemas.microsoft.com/office/drawing/2010/main" w="9525">
                   <a:solidFill>
                     <a:srgbClr val="000000"/>
                   </a:solidFill>
@@ -327,7 +332,7 @@
             </a:ln>
             <a:extLst>
               <a:ext uri="{91240B29-F687-4f45-9708-019B960494DF}">
-                <a14:hiddenLine xmlns:a14="http://schemas.microsoft.com/office/drawing/2010/main" xmlns="" w="9525">
+                <a14:hiddenLine xmlns="" xmlns:a14="http://schemas.microsoft.com/office/drawing/2010/main" w="9525">
                   <a:solidFill>
                     <a:srgbClr val="000000"/>
                   </a:solidFill>
@@ -417,7 +422,7 @@
             </a:ln>
             <a:extLst>
               <a:ext uri="{91240B29-F687-4f45-9708-019B960494DF}">
-                <a14:hiddenLine xmlns:a14="http://schemas.microsoft.com/office/drawing/2010/main" xmlns="" w="9525">
+                <a14:hiddenLine xmlns="" xmlns:a14="http://schemas.microsoft.com/office/drawing/2010/main" w="9525">
                   <a:solidFill>
                     <a:srgbClr val="000000"/>
                   </a:solidFill>
@@ -451,7 +456,7 @@
             </a:ln>
             <a:extLst>
               <a:ext uri="{91240B29-F687-4f45-9708-019B960494DF}">
-                <a14:hiddenLine xmlns:a14="http://schemas.microsoft.com/office/drawing/2010/main" xmlns="" w="9525">
+                <a14:hiddenLine xmlns="" xmlns:a14="http://schemas.microsoft.com/office/drawing/2010/main" w="9525">
                   <a:solidFill>
                     <a:srgbClr val="000000"/>
                   </a:solidFill>
@@ -541,7 +546,7 @@
             </a:ln>
             <a:extLst>
               <a:ext uri="{91240B29-F687-4f45-9708-019B960494DF}">
-                <a14:hiddenLine xmlns:a14="http://schemas.microsoft.com/office/drawing/2010/main" xmlns="" w="9525">
+                <a14:hiddenLine xmlns="" xmlns:a14="http://schemas.microsoft.com/office/drawing/2010/main" w="9525">
                   <a:solidFill>
                     <a:srgbClr val="000000"/>
                   </a:solidFill>
@@ -603,7 +608,7 @@
             </a:ln>
             <a:extLst>
               <a:ext uri="{91240B29-F687-4f45-9708-019B960494DF}">
-                <a14:hiddenLine xmlns:a14="http://schemas.microsoft.com/office/drawing/2010/main" xmlns="" w="9525">
+                <a14:hiddenLine xmlns="" xmlns:a14="http://schemas.microsoft.com/office/drawing/2010/main" w="9525">
                   <a:solidFill>
                     <a:srgbClr val="000000"/>
                   </a:solidFill>
@@ -665,7 +670,7 @@
             </a:ln>
             <a:extLst>
               <a:ext uri="{91240B29-F687-4f45-9708-019B960494DF}">
-                <a14:hiddenLine xmlns:a14="http://schemas.microsoft.com/office/drawing/2010/main" xmlns="" w="9525">
+                <a14:hiddenLine xmlns="" xmlns:a14="http://schemas.microsoft.com/office/drawing/2010/main" w="9525">
                   <a:solidFill>
                     <a:srgbClr val="000000"/>
                   </a:solidFill>
@@ -755,7 +760,7 @@
             </a:ln>
             <a:extLst>
               <a:ext uri="{91240B29-F687-4f45-9708-019B960494DF}">
-                <a14:hiddenLine xmlns:a14="http://schemas.microsoft.com/office/drawing/2010/main" xmlns="" w="9525">
+                <a14:hiddenLine xmlns="" xmlns:a14="http://schemas.microsoft.com/office/drawing/2010/main" w="9525">
                   <a:solidFill>
                     <a:srgbClr val="000000"/>
                   </a:solidFill>
@@ -817,7 +822,7 @@
             </a:ln>
             <a:extLst>
               <a:ext uri="{91240B29-F687-4f45-9708-019B960494DF}">
-                <a14:hiddenLine xmlns:a14="http://schemas.microsoft.com/office/drawing/2010/main" xmlns="" w="9525">
+                <a14:hiddenLine xmlns="" xmlns:a14="http://schemas.microsoft.com/office/drawing/2010/main" w="9525">
                   <a:solidFill>
                     <a:srgbClr val="000000"/>
                   </a:solidFill>
@@ -879,7 +884,7 @@
             </a:ln>
             <a:extLst>
               <a:ext uri="{91240B29-F687-4f45-9708-019B960494DF}">
-                <a14:hiddenLine xmlns:a14="http://schemas.microsoft.com/office/drawing/2010/main" xmlns="" w="9525">
+                <a14:hiddenLine xmlns="" xmlns:a14="http://schemas.microsoft.com/office/drawing/2010/main" w="9525">
                   <a:solidFill>
                     <a:srgbClr val="000000"/>
                   </a:solidFill>
@@ -969,7 +974,7 @@
             </a:ln>
             <a:extLst>
               <a:ext uri="{91240B29-F687-4f45-9708-019B960494DF}">
-                <a14:hiddenLine xmlns:a14="http://schemas.microsoft.com/office/drawing/2010/main" xmlns="" w="9525">
+                <a14:hiddenLine xmlns="" xmlns:a14="http://schemas.microsoft.com/office/drawing/2010/main" w="9525">
                   <a:solidFill>
                     <a:srgbClr val="000000"/>
                   </a:solidFill>
@@ -1059,7 +1064,7 @@
             </a:ln>
             <a:extLst>
               <a:ext uri="{91240B29-F687-4f45-9708-019B960494DF}">
-                <a14:hiddenLine xmlns:a14="http://schemas.microsoft.com/office/drawing/2010/main" xmlns="" w="9525">
+                <a14:hiddenLine xmlns="" xmlns:a14="http://schemas.microsoft.com/office/drawing/2010/main" w="9525">
                   <a:solidFill>
                     <a:srgbClr val="000000"/>
                   </a:solidFill>
@@ -1121,7 +1126,7 @@
             </a:ln>
             <a:extLst>
               <a:ext uri="{91240B29-F687-4f45-9708-019B960494DF}">
-                <a14:hiddenLine xmlns:a14="http://schemas.microsoft.com/office/drawing/2010/main" xmlns="" w="9525">
+                <a14:hiddenLine xmlns="" xmlns:a14="http://schemas.microsoft.com/office/drawing/2010/main" w="9525">
                   <a:solidFill>
                     <a:srgbClr val="000000"/>
                   </a:solidFill>
@@ -1231,7 +1236,7 @@
             </a:ln>
             <a:extLst>
               <a:ext uri="{91240B29-F687-4f45-9708-019B960494DF}">
-                <a14:hiddenLine xmlns:a14="http://schemas.microsoft.com/office/drawing/2010/main" xmlns="" w="9525">
+                <a14:hiddenLine xmlns="" xmlns:a14="http://schemas.microsoft.com/office/drawing/2010/main" w="9525">
                   <a:solidFill>
                     <a:srgbClr val="000000"/>
                   </a:solidFill>
@@ -1293,7 +1298,7 @@
             </a:ln>
             <a:extLst>
               <a:ext uri="{91240B29-F687-4f45-9708-019B960494DF}">
-                <a14:hiddenLine xmlns:a14="http://schemas.microsoft.com/office/drawing/2010/main" xmlns="" w="9525">
+                <a14:hiddenLine xmlns="" xmlns:a14="http://schemas.microsoft.com/office/drawing/2010/main" w="9525">
                   <a:solidFill>
                     <a:srgbClr val="000000"/>
                   </a:solidFill>
@@ -1383,7 +1388,7 @@
             </a:ln>
             <a:extLst>
               <a:ext uri="{91240B29-F687-4f45-9708-019B960494DF}">
-                <a14:hiddenLine xmlns:a14="http://schemas.microsoft.com/office/drawing/2010/main" xmlns="" w="9525">
+                <a14:hiddenLine xmlns="" xmlns:a14="http://schemas.microsoft.com/office/drawing/2010/main" w="9525">
                   <a:solidFill>
                     <a:srgbClr val="000000"/>
                   </a:solidFill>
@@ -1473,7 +1478,7 @@
             </a:ln>
             <a:extLst>
               <a:ext uri="{91240B29-F687-4f45-9708-019B960494DF}">
-                <a14:hiddenLine xmlns:a14="http://schemas.microsoft.com/office/drawing/2010/main" xmlns="" w="9525">
+                <a14:hiddenLine xmlns="" xmlns:a14="http://schemas.microsoft.com/office/drawing/2010/main" w="9525">
                   <a:solidFill>
                     <a:srgbClr val="000000"/>
                   </a:solidFill>
@@ -1535,7 +1540,7 @@
             </a:ln>
             <a:extLst>
               <a:ext uri="{91240B29-F687-4f45-9708-019B960494DF}">
-                <a14:hiddenLine xmlns:a14="http://schemas.microsoft.com/office/drawing/2010/main" xmlns="" w="9525">
+                <a14:hiddenLine xmlns="" xmlns:a14="http://schemas.microsoft.com/office/drawing/2010/main" w="9525">
                   <a:solidFill>
                     <a:srgbClr val="000000"/>
                   </a:solidFill>
@@ -1625,7 +1630,7 @@
             </a:ln>
             <a:extLst>
               <a:ext uri="{91240B29-F687-4f45-9708-019B960494DF}">
-                <a14:hiddenLine xmlns:a14="http://schemas.microsoft.com/office/drawing/2010/main" xmlns="" w="9525">
+                <a14:hiddenLine xmlns="" xmlns:a14="http://schemas.microsoft.com/office/drawing/2010/main" w="9525">
                   <a:solidFill>
                     <a:srgbClr val="000000"/>
                   </a:solidFill>
@@ -1715,7 +1720,7 @@
             </a:ln>
             <a:extLst>
               <a:ext uri="{91240B29-F687-4f45-9708-019B960494DF}">
-                <a14:hiddenLine xmlns:a14="http://schemas.microsoft.com/office/drawing/2010/main" xmlns="" w="9525">
+                <a14:hiddenLine xmlns="" xmlns:a14="http://schemas.microsoft.com/office/drawing/2010/main" w="9525">
                   <a:solidFill>
                     <a:srgbClr val="000000"/>
                   </a:solidFill>
@@ -1771,7 +1776,7 @@
             </a:ln>
             <a:extLst>
               <a:ext uri="{91240B29-F687-4f45-9708-019B960494DF}">
-                <a14:hiddenLine xmlns:a14="http://schemas.microsoft.com/office/drawing/2010/main" xmlns="" w="9525">
+                <a14:hiddenLine xmlns="" xmlns:a14="http://schemas.microsoft.com/office/drawing/2010/main" w="9525">
                   <a:solidFill>
                     <a:srgbClr val="000000"/>
                   </a:solidFill>
@@ -1861,7 +1866,7 @@
             </a:ln>
             <a:extLst>
               <a:ext uri="{91240B29-F687-4f45-9708-019B960494DF}">
-                <a14:hiddenLine xmlns:a14="http://schemas.microsoft.com/office/drawing/2010/main" xmlns="" w="9525">
+                <a14:hiddenLine xmlns="" xmlns:a14="http://schemas.microsoft.com/office/drawing/2010/main" w="9525">
                   <a:solidFill>
                     <a:srgbClr val="000000"/>
                   </a:solidFill>
@@ -1917,7 +1922,7 @@
             </a:ln>
             <a:extLst>
               <a:ext uri="{91240B29-F687-4f45-9708-019B960494DF}">
-                <a14:hiddenLine xmlns:a14="http://schemas.microsoft.com/office/drawing/2010/main" xmlns="" w="9525">
+                <a14:hiddenLine xmlns="" xmlns:a14="http://schemas.microsoft.com/office/drawing/2010/main" w="9525">
                   <a:solidFill>
                     <a:srgbClr val="000000"/>
                   </a:solidFill>
@@ -2007,7 +2012,7 @@
             </a:ln>
             <a:extLst>
               <a:ext uri="{91240B29-F687-4f45-9708-019B960494DF}">
-                <a14:hiddenLine xmlns:a14="http://schemas.microsoft.com/office/drawing/2010/main" xmlns="" w="9525">
+                <a14:hiddenLine xmlns="" xmlns:a14="http://schemas.microsoft.com/office/drawing/2010/main" w="9525">
                   <a:solidFill>
                     <a:srgbClr val="000000"/>
                   </a:solidFill>
@@ -2075,7 +2080,7 @@
             </a:ln>
             <a:extLst>
               <a:ext uri="{91240B29-F687-4f45-9708-019B960494DF}">
-                <a14:hiddenLine xmlns:a14="http://schemas.microsoft.com/office/drawing/2010/main" xmlns="" w="9525">
+                <a14:hiddenLine xmlns="" xmlns:a14="http://schemas.microsoft.com/office/drawing/2010/main" w="9525">
                   <a:solidFill>
                     <a:srgbClr val="000000"/>
                   </a:solidFill>
@@ -2165,7 +2170,7 @@
             </a:ln>
             <a:extLst>
               <a:ext uri="{91240B29-F687-4f45-9708-019B960494DF}">
-                <a14:hiddenLine xmlns:a14="http://schemas.microsoft.com/office/drawing/2010/main" xmlns="" w="9525">
+                <a14:hiddenLine xmlns="" xmlns:a14="http://schemas.microsoft.com/office/drawing/2010/main" w="9525">
                   <a:solidFill>
                     <a:srgbClr val="000000"/>
                   </a:solidFill>
@@ -2233,7 +2238,7 @@
             </a:ln>
             <a:extLst>
               <a:ext uri="{91240B29-F687-4f45-9708-019B960494DF}">
-                <a14:hiddenLine xmlns:a14="http://schemas.microsoft.com/office/drawing/2010/main" xmlns="" w="9525">
+                <a14:hiddenLine xmlns="" xmlns:a14="http://schemas.microsoft.com/office/drawing/2010/main" w="9525">
                   <a:solidFill>
                     <a:srgbClr val="000000"/>
                   </a:solidFill>
@@ -2323,7 +2328,7 @@
             </a:ln>
             <a:extLst>
               <a:ext uri="{91240B29-F687-4f45-9708-019B960494DF}">
-                <a14:hiddenLine xmlns:a14="http://schemas.microsoft.com/office/drawing/2010/main" xmlns="" w="9525">
+                <a14:hiddenLine xmlns="" xmlns:a14="http://schemas.microsoft.com/office/drawing/2010/main" w="9525">
                   <a:solidFill>
                     <a:srgbClr val="000000"/>
                   </a:solidFill>
@@ -2357,7 +2362,7 @@
             </a:ln>
             <a:extLst>
               <a:ext uri="{91240B29-F687-4f45-9708-019B960494DF}">
-                <a14:hiddenLine xmlns:a14="http://schemas.microsoft.com/office/drawing/2010/main" xmlns="" w="9525">
+                <a14:hiddenLine xmlns="" xmlns:a14="http://schemas.microsoft.com/office/drawing/2010/main" w="9525">
                   <a:solidFill>
                     <a:srgbClr val="000000"/>
                   </a:solidFill>
@@ -2447,7 +2452,7 @@
             </a:ln>
             <a:extLst>
               <a:ext uri="{91240B29-F687-4f45-9708-019B960494DF}">
-                <a14:hiddenLine xmlns:a14="http://schemas.microsoft.com/office/drawing/2010/main" xmlns="" w="9525">
+                <a14:hiddenLine xmlns="" xmlns:a14="http://schemas.microsoft.com/office/drawing/2010/main" w="9525">
                   <a:solidFill>
                     <a:srgbClr val="000000"/>
                   </a:solidFill>
@@ -2509,7 +2514,7 @@
             </a:ln>
             <a:extLst>
               <a:ext uri="{91240B29-F687-4f45-9708-019B960494DF}">
-                <a14:hiddenLine xmlns:a14="http://schemas.microsoft.com/office/drawing/2010/main" xmlns="" w="9525">
+                <a14:hiddenLine xmlns="" xmlns:a14="http://schemas.microsoft.com/office/drawing/2010/main" w="9525">
                   <a:solidFill>
                     <a:srgbClr val="000000"/>
                   </a:solidFill>
@@ -2571,7 +2576,7 @@
             </a:ln>
             <a:extLst>
               <a:ext uri="{91240B29-F687-4f45-9708-019B960494DF}">
-                <a14:hiddenLine xmlns:a14="http://schemas.microsoft.com/office/drawing/2010/main" xmlns="" w="9525">
+                <a14:hiddenLine xmlns="" xmlns:a14="http://schemas.microsoft.com/office/drawing/2010/main" w="9525">
                   <a:solidFill>
                     <a:srgbClr val="000000"/>
                   </a:solidFill>
@@ -2661,7 +2666,7 @@
             </a:ln>
             <a:extLst>
               <a:ext uri="{91240B29-F687-4f45-9708-019B960494DF}">
-                <a14:hiddenLine xmlns:a14="http://schemas.microsoft.com/office/drawing/2010/main" xmlns="" w="9525">
+                <a14:hiddenLine xmlns="" xmlns:a14="http://schemas.microsoft.com/office/drawing/2010/main" w="9525">
                   <a:solidFill>
                     <a:srgbClr val="000000"/>
                   </a:solidFill>
@@ -2729,7 +2734,7 @@
             </a:ln>
             <a:extLst>
               <a:ext uri="{91240B29-F687-4f45-9708-019B960494DF}">
-                <a14:hiddenLine xmlns:a14="http://schemas.microsoft.com/office/drawing/2010/main" xmlns="" w="9525">
+                <a14:hiddenLine xmlns="" xmlns:a14="http://schemas.microsoft.com/office/drawing/2010/main" w="9525">
                   <a:solidFill>
                     <a:srgbClr val="000000"/>
                   </a:solidFill>
@@ -2791,7 +2796,7 @@
             </a:ln>
             <a:extLst>
               <a:ext uri="{91240B29-F687-4f45-9708-019B960494DF}">
-                <a14:hiddenLine xmlns:a14="http://schemas.microsoft.com/office/drawing/2010/main" xmlns="" w="9525">
+                <a14:hiddenLine xmlns="" xmlns:a14="http://schemas.microsoft.com/office/drawing/2010/main" w="9525">
                   <a:solidFill>
                     <a:srgbClr val="000000"/>
                   </a:solidFill>
@@ -2881,7 +2886,7 @@
             </a:ln>
             <a:extLst>
               <a:ext uri="{91240B29-F687-4f45-9708-019B960494DF}">
-                <a14:hiddenLine xmlns:a14="http://schemas.microsoft.com/office/drawing/2010/main" xmlns="" w="9525">
+                <a14:hiddenLine xmlns="" xmlns:a14="http://schemas.microsoft.com/office/drawing/2010/main" w="9525">
                   <a:solidFill>
                     <a:srgbClr val="000000"/>
                   </a:solidFill>
@@ -2943,7 +2948,7 @@
             </a:ln>
             <a:extLst>
               <a:ext uri="{91240B29-F687-4f45-9708-019B960494DF}">
-                <a14:hiddenLine xmlns:a14="http://schemas.microsoft.com/office/drawing/2010/main" xmlns="" w="9525">
+                <a14:hiddenLine xmlns="" xmlns:a14="http://schemas.microsoft.com/office/drawing/2010/main" w="9525">
                   <a:solidFill>
                     <a:srgbClr val="000000"/>
                   </a:solidFill>
@@ -3033,7 +3038,7 @@
             </a:ln>
             <a:extLst>
               <a:ext uri="{91240B29-F687-4f45-9708-019B960494DF}">
-                <a14:hiddenLine xmlns:a14="http://schemas.microsoft.com/office/drawing/2010/main" xmlns="" w="9525">
+                <a14:hiddenLine xmlns="" xmlns:a14="http://schemas.microsoft.com/office/drawing/2010/main" w="9525">
                   <a:solidFill>
                     <a:srgbClr val="000000"/>
                   </a:solidFill>
@@ -3095,7 +3100,7 @@
             </a:ln>
             <a:extLst>
               <a:ext uri="{91240B29-F687-4f45-9708-019B960494DF}">
-                <a14:hiddenLine xmlns:a14="http://schemas.microsoft.com/office/drawing/2010/main" xmlns="" w="9525">
+                <a14:hiddenLine xmlns="" xmlns:a14="http://schemas.microsoft.com/office/drawing/2010/main" w="9525">
                   <a:solidFill>
                     <a:srgbClr val="000000"/>
                   </a:solidFill>
@@ -3185,7 +3190,7 @@
             </a:ln>
             <a:extLst>
               <a:ext uri="{91240B29-F687-4f45-9708-019B960494DF}">
-                <a14:hiddenLine xmlns:a14="http://schemas.microsoft.com/office/drawing/2010/main" xmlns="" w="9525">
+                <a14:hiddenLine xmlns="" xmlns:a14="http://schemas.microsoft.com/office/drawing/2010/main" w="9525">
                   <a:solidFill>
                     <a:srgbClr val="000000"/>
                   </a:solidFill>
@@ -3219,7 +3224,7 @@
             </a:ln>
             <a:extLst>
               <a:ext uri="{91240B29-F687-4f45-9708-019B960494DF}">
-                <a14:hiddenLine xmlns:a14="http://schemas.microsoft.com/office/drawing/2010/main" xmlns="" w="9525">
+                <a14:hiddenLine xmlns="" xmlns:a14="http://schemas.microsoft.com/office/drawing/2010/main" w="9525">
                   <a:solidFill>
                     <a:srgbClr val="000000"/>
                   </a:solidFill>
@@ -3284,7 +3289,7 @@
             </a:ln>
             <a:extLst>
               <a:ext uri="{91240B29-F687-4f45-9708-019B960494DF}">
-                <a14:hiddenLine xmlns:a14="http://schemas.microsoft.com/office/drawing/2010/main" xmlns="" w="9525">
+                <a14:hiddenLine xmlns="" xmlns:a14="http://schemas.microsoft.com/office/drawing/2010/main" w="9525">
                   <a:solidFill>
                     <a:srgbClr val="000000"/>
                   </a:solidFill>
@@ -3374,7 +3379,7 @@
             </a:ln>
             <a:extLst>
               <a:ext uri="{91240B29-F687-4f45-9708-019B960494DF}">
-                <a14:hiddenLine xmlns:a14="http://schemas.microsoft.com/office/drawing/2010/main" xmlns="" w="9525">
+                <a14:hiddenLine xmlns="" xmlns:a14="http://schemas.microsoft.com/office/drawing/2010/main" w="9525">
                   <a:solidFill>
                     <a:srgbClr val="000000"/>
                   </a:solidFill>
@@ -3436,7 +3441,7 @@
             </a:ln>
             <a:extLst>
               <a:ext uri="{91240B29-F687-4f45-9708-019B960494DF}">
-                <a14:hiddenLine xmlns:a14="http://schemas.microsoft.com/office/drawing/2010/main" xmlns="" w="9525">
+                <a14:hiddenLine xmlns="" xmlns:a14="http://schemas.microsoft.com/office/drawing/2010/main" w="9525">
                   <a:solidFill>
                     <a:srgbClr val="000000"/>
                   </a:solidFill>
@@ -3526,7 +3531,7 @@
             </a:ln>
             <a:extLst>
               <a:ext uri="{91240B29-F687-4f45-9708-019B960494DF}">
-                <a14:hiddenLine xmlns:a14="http://schemas.microsoft.com/office/drawing/2010/main" xmlns="" w="9525">
+                <a14:hiddenLine xmlns="" xmlns:a14="http://schemas.microsoft.com/office/drawing/2010/main" w="9525">
                   <a:solidFill>
                     <a:srgbClr val="000000"/>
                   </a:solidFill>
@@ -3616,7 +3621,7 @@
             </a:ln>
             <a:extLst>
               <a:ext uri="{91240B29-F687-4f45-9708-019B960494DF}">
-                <a14:hiddenLine xmlns:a14="http://schemas.microsoft.com/office/drawing/2010/main" xmlns="" w="9525">
+                <a14:hiddenLine xmlns="" xmlns:a14="http://schemas.microsoft.com/office/drawing/2010/main" w="9525">
                   <a:solidFill>
                     <a:srgbClr val="000000"/>
                   </a:solidFill>
@@ -3681,7 +3686,7 @@
             </a:ln>
             <a:extLst>
               <a:ext uri="{91240B29-F687-4f45-9708-019B960494DF}">
-                <a14:hiddenLine xmlns:a14="http://schemas.microsoft.com/office/drawing/2010/main" xmlns="" w="9525">
+                <a14:hiddenLine xmlns="" xmlns:a14="http://schemas.microsoft.com/office/drawing/2010/main" w="9525">
                   <a:solidFill>
                     <a:srgbClr val="000000"/>
                   </a:solidFill>
@@ -3743,7 +3748,7 @@
             </a:ln>
             <a:extLst>
               <a:ext uri="{91240B29-F687-4f45-9708-019B960494DF}">
-                <a14:hiddenLine xmlns:a14="http://schemas.microsoft.com/office/drawing/2010/main" xmlns="" w="9525">
+                <a14:hiddenLine xmlns="" xmlns:a14="http://schemas.microsoft.com/office/drawing/2010/main" w="9525">
                   <a:solidFill>
                     <a:srgbClr val="000000"/>
                   </a:solidFill>
@@ -3833,7 +3838,7 @@
             </a:ln>
             <a:extLst>
               <a:ext uri="{91240B29-F687-4f45-9708-019B960494DF}">
-                <a14:hiddenLine xmlns:a14="http://schemas.microsoft.com/office/drawing/2010/main" xmlns="" w="9525">
+                <a14:hiddenLine xmlns="" xmlns:a14="http://schemas.microsoft.com/office/drawing/2010/main" w="9525">
                   <a:solidFill>
                     <a:srgbClr val="000000"/>
                   </a:solidFill>
@@ -3923,7 +3928,7 @@
             </a:ln>
             <a:extLst>
               <a:ext uri="{91240B29-F687-4f45-9708-019B960494DF}">
-                <a14:hiddenLine xmlns:a14="http://schemas.microsoft.com/office/drawing/2010/main" xmlns="" w="9525">
+                <a14:hiddenLine xmlns="" xmlns:a14="http://schemas.microsoft.com/office/drawing/2010/main" w="9525">
                   <a:solidFill>
                     <a:srgbClr val="000000"/>
                   </a:solidFill>
@@ -3985,7 +3990,7 @@
             </a:ln>
             <a:extLst>
               <a:ext uri="{91240B29-F687-4f45-9708-019B960494DF}">
-                <a14:hiddenLine xmlns:a14="http://schemas.microsoft.com/office/drawing/2010/main" xmlns="" w="9525">
+                <a14:hiddenLine xmlns="" xmlns:a14="http://schemas.microsoft.com/office/drawing/2010/main" w="9525">
                   <a:solidFill>
                     <a:srgbClr val="000000"/>
                   </a:solidFill>
@@ -4105,7 +4110,7 @@
             </a:ln>
             <a:extLst>
               <a:ext uri="{91240B29-F687-4f45-9708-019B960494DF}">
-                <a14:hiddenLine xmlns:a14="http://schemas.microsoft.com/office/drawing/2010/main" xmlns="" w="9525">
+                <a14:hiddenLine xmlns="" xmlns:a14="http://schemas.microsoft.com/office/drawing/2010/main" w="9525">
                   <a:solidFill>
                     <a:srgbClr val="000000"/>
                   </a:solidFill>
@@ -4173,7 +4178,7 @@
             </a:ln>
             <a:extLst>
               <a:ext uri="{91240B29-F687-4f45-9708-019B960494DF}">
-                <a14:hiddenLine xmlns:a14="http://schemas.microsoft.com/office/drawing/2010/main" xmlns="" w="9525">
+                <a14:hiddenLine xmlns="" xmlns:a14="http://schemas.microsoft.com/office/drawing/2010/main" w="9525">
                   <a:solidFill>
                     <a:srgbClr val="000000"/>
                   </a:solidFill>
@@ -4263,7 +4268,7 @@
             </a:ln>
             <a:extLst>
               <a:ext uri="{91240B29-F687-4f45-9708-019B960494DF}">
-                <a14:hiddenLine xmlns:a14="http://schemas.microsoft.com/office/drawing/2010/main" xmlns="" w="9525">
+                <a14:hiddenLine xmlns="" xmlns:a14="http://schemas.microsoft.com/office/drawing/2010/main" w="9525">
                   <a:solidFill>
                     <a:srgbClr val="000000"/>
                   </a:solidFill>
@@ -8985,7 +8990,7 @@
           <a:noFill/>
           <a:extLst>
             <a:ext uri="{909E8E84-426E-40dd-AFC4-6F175D3DCCD1}">
-              <a14:hiddenFill xmlns:a14="http://schemas.microsoft.com/office/drawing/2010/main" xmlns="">
+              <a14:hiddenFill xmlns="" xmlns:a14="http://schemas.microsoft.com/office/drawing/2010/main">
                 <a:solidFill>
                   <a:srgbClr val="FFFFFF"/>
                 </a:solidFill>
@@ -9059,7 +9064,7 @@
               </a:ln>
               <a:extLst>
                 <a:ext uri="{91240B29-F687-4f45-9708-019B960494DF}">
-                  <a14:hiddenLine xmlns:a14="http://schemas.microsoft.com/office/drawing/2010/main" xmlns="" w="9525">
+                  <a14:hiddenLine xmlns="" xmlns:a14="http://schemas.microsoft.com/office/drawing/2010/main" w="9525">
                     <a:solidFill>
                       <a:srgbClr val="000000"/>
                     </a:solidFill>
@@ -9149,7 +9154,7 @@
               </a:ln>
               <a:extLst>
                 <a:ext uri="{91240B29-F687-4f45-9708-019B960494DF}">
-                  <a14:hiddenLine xmlns:a14="http://schemas.microsoft.com/office/drawing/2010/main" xmlns="" w="9525">
+                  <a14:hiddenLine xmlns="" xmlns:a14="http://schemas.microsoft.com/office/drawing/2010/main" w="9525">
                     <a:solidFill>
                       <a:srgbClr val="000000"/>
                     </a:solidFill>
@@ -9239,7 +9244,7 @@
               </a:ln>
               <a:extLst>
                 <a:ext uri="{91240B29-F687-4f45-9708-019B960494DF}">
-                  <a14:hiddenLine xmlns:a14="http://schemas.microsoft.com/office/drawing/2010/main" xmlns="" w="9525">
+                  <a14:hiddenLine xmlns="" xmlns:a14="http://schemas.microsoft.com/office/drawing/2010/main" w="9525">
                     <a:solidFill>
                       <a:srgbClr val="000000"/>
                     </a:solidFill>
@@ -9301,7 +9306,7 @@
               </a:ln>
               <a:extLst>
                 <a:ext uri="{91240B29-F687-4f45-9708-019B960494DF}">
-                  <a14:hiddenLine xmlns:a14="http://schemas.microsoft.com/office/drawing/2010/main" xmlns="" w="9525">
+                  <a14:hiddenLine xmlns="" xmlns:a14="http://schemas.microsoft.com/office/drawing/2010/main" w="9525">
                     <a:solidFill>
                       <a:srgbClr val="000000"/>
                     </a:solidFill>
@@ -9391,7 +9396,7 @@
               </a:ln>
               <a:extLst>
                 <a:ext uri="{91240B29-F687-4f45-9708-019B960494DF}">
-                  <a14:hiddenLine xmlns:a14="http://schemas.microsoft.com/office/drawing/2010/main" xmlns="" w="9525">
+                  <a14:hiddenLine xmlns="" xmlns:a14="http://schemas.microsoft.com/office/drawing/2010/main" w="9525">
                     <a:solidFill>
                       <a:srgbClr val="000000"/>
                     </a:solidFill>
@@ -9453,7 +9458,7 @@
               </a:ln>
               <a:extLst>
                 <a:ext uri="{91240B29-F687-4f45-9708-019B960494DF}">
-                  <a14:hiddenLine xmlns:a14="http://schemas.microsoft.com/office/drawing/2010/main" xmlns="" w="9525">
+                  <a14:hiddenLine xmlns="" xmlns:a14="http://schemas.microsoft.com/office/drawing/2010/main" w="9525">
                     <a:solidFill>
                       <a:srgbClr val="000000"/>
                     </a:solidFill>
@@ -9515,7 +9520,7 @@
               </a:ln>
               <a:extLst>
                 <a:ext uri="{91240B29-F687-4f45-9708-019B960494DF}">
-                  <a14:hiddenLine xmlns:a14="http://schemas.microsoft.com/office/drawing/2010/main" xmlns="" w="9525">
+                  <a14:hiddenLine xmlns="" xmlns:a14="http://schemas.microsoft.com/office/drawing/2010/main" w="9525">
                     <a:solidFill>
                       <a:srgbClr val="000000"/>
                     </a:solidFill>
@@ -9605,7 +9610,7 @@
               </a:ln>
               <a:extLst>
                 <a:ext uri="{91240B29-F687-4f45-9708-019B960494DF}">
-                  <a14:hiddenLine xmlns:a14="http://schemas.microsoft.com/office/drawing/2010/main" xmlns="" w="9525">
+                  <a14:hiddenLine xmlns="" xmlns:a14="http://schemas.microsoft.com/office/drawing/2010/main" w="9525">
                     <a:solidFill>
                       <a:srgbClr val="000000"/>
                     </a:solidFill>
@@ -9695,7 +9700,7 @@
               </a:ln>
               <a:extLst>
                 <a:ext uri="{91240B29-F687-4f45-9708-019B960494DF}">
-                  <a14:hiddenLine xmlns:a14="http://schemas.microsoft.com/office/drawing/2010/main" xmlns="" w="9525">
+                  <a14:hiddenLine xmlns="" xmlns:a14="http://schemas.microsoft.com/office/drawing/2010/main" w="9525">
                     <a:solidFill>
                       <a:srgbClr val="000000"/>
                     </a:solidFill>
@@ -9757,7 +9762,7 @@
               </a:ln>
               <a:extLst>
                 <a:ext uri="{91240B29-F687-4f45-9708-019B960494DF}">
-                  <a14:hiddenLine xmlns:a14="http://schemas.microsoft.com/office/drawing/2010/main" xmlns="" w="9525">
+                  <a14:hiddenLine xmlns="" xmlns:a14="http://schemas.microsoft.com/office/drawing/2010/main" w="9525">
                     <a:solidFill>
                       <a:srgbClr val="000000"/>
                     </a:solidFill>
@@ -9867,7 +9872,7 @@
               </a:ln>
               <a:extLst>
                 <a:ext uri="{91240B29-F687-4f45-9708-019B960494DF}">
-                  <a14:hiddenLine xmlns:a14="http://schemas.microsoft.com/office/drawing/2010/main" xmlns="" w="9525">
+                  <a14:hiddenLine xmlns="" xmlns:a14="http://schemas.microsoft.com/office/drawing/2010/main" w="9525">
                     <a:solidFill>
                       <a:srgbClr val="000000"/>
                     </a:solidFill>
@@ -9951,7 +9956,7 @@
               </a:ln>
               <a:extLst>
                 <a:ext uri="{91240B29-F687-4f45-9708-019B960494DF}">
-                  <a14:hiddenLine xmlns:a14="http://schemas.microsoft.com/office/drawing/2010/main" xmlns="" w="9525">
+                  <a14:hiddenLine xmlns="" xmlns:a14="http://schemas.microsoft.com/office/drawing/2010/main" w="9525">
                     <a:solidFill>
                       <a:srgbClr val="000000"/>
                     </a:solidFill>
@@ -10013,7 +10018,7 @@
               </a:ln>
               <a:extLst>
                 <a:ext uri="{91240B29-F687-4f45-9708-019B960494DF}">
-                  <a14:hiddenLine xmlns:a14="http://schemas.microsoft.com/office/drawing/2010/main" xmlns="" w="9525">
+                  <a14:hiddenLine xmlns="" xmlns:a14="http://schemas.microsoft.com/office/drawing/2010/main" w="9525">
                     <a:solidFill>
                       <a:srgbClr val="000000"/>
                     </a:solidFill>
@@ -10075,7 +10080,7 @@
               </a:ln>
               <a:extLst>
                 <a:ext uri="{91240B29-F687-4f45-9708-019B960494DF}">
-                  <a14:hiddenLine xmlns:a14="http://schemas.microsoft.com/office/drawing/2010/main" xmlns="" w="9525">
+                  <a14:hiddenLine xmlns="" xmlns:a14="http://schemas.microsoft.com/office/drawing/2010/main" w="9525">
                     <a:solidFill>
                       <a:srgbClr val="000000"/>
                     </a:solidFill>
@@ -10165,7 +10170,7 @@
               </a:ln>
               <a:extLst>
                 <a:ext uri="{91240B29-F687-4f45-9708-019B960494DF}">
-                  <a14:hiddenLine xmlns:a14="http://schemas.microsoft.com/office/drawing/2010/main" xmlns="" w="9525">
+                  <a14:hiddenLine xmlns="" xmlns:a14="http://schemas.microsoft.com/office/drawing/2010/main" w="9525">
                     <a:solidFill>
                       <a:srgbClr val="000000"/>
                     </a:solidFill>
@@ -10199,7 +10204,7 @@
               </a:ln>
               <a:extLst>
                 <a:ext uri="{91240B29-F687-4f45-9708-019B960494DF}">
-                  <a14:hiddenLine xmlns:a14="http://schemas.microsoft.com/office/drawing/2010/main" xmlns="" w="9525">
+                  <a14:hiddenLine xmlns="" xmlns:a14="http://schemas.microsoft.com/office/drawing/2010/main" w="9525">
                     <a:solidFill>
                       <a:srgbClr val="000000"/>
                     </a:solidFill>
@@ -10264,7 +10269,7 @@
               </a:ln>
               <a:extLst>
                 <a:ext uri="{91240B29-F687-4f45-9708-019B960494DF}">
-                  <a14:hiddenLine xmlns:a14="http://schemas.microsoft.com/office/drawing/2010/main" xmlns="" w="9525">
+                  <a14:hiddenLine xmlns="" xmlns:a14="http://schemas.microsoft.com/office/drawing/2010/main" w="9525">
                     <a:solidFill>
                       <a:srgbClr val="000000"/>
                     </a:solidFill>
@@ -10354,7 +10359,7 @@
               </a:ln>
               <a:extLst>
                 <a:ext uri="{91240B29-F687-4f45-9708-019B960494DF}">
-                  <a14:hiddenLine xmlns:a14="http://schemas.microsoft.com/office/drawing/2010/main" xmlns="" w="9525">
+                  <a14:hiddenLine xmlns="" xmlns:a14="http://schemas.microsoft.com/office/drawing/2010/main" w="9525">
                     <a:solidFill>
                       <a:srgbClr val="000000"/>
                     </a:solidFill>
@@ -10416,7 +10421,7 @@
               </a:ln>
               <a:extLst>
                 <a:ext uri="{91240B29-F687-4f45-9708-019B960494DF}">
-                  <a14:hiddenLine xmlns:a14="http://schemas.microsoft.com/office/drawing/2010/main" xmlns="" w="9525">
+                  <a14:hiddenLine xmlns="" xmlns:a14="http://schemas.microsoft.com/office/drawing/2010/main" w="9525">
                     <a:solidFill>
                       <a:srgbClr val="000000"/>
                     </a:solidFill>
@@ -10506,7 +10511,7 @@
               </a:ln>
               <a:extLst>
                 <a:ext uri="{91240B29-F687-4f45-9708-019B960494DF}">
-                  <a14:hiddenLine xmlns:a14="http://schemas.microsoft.com/office/drawing/2010/main" xmlns="" w="9525">
+                  <a14:hiddenLine xmlns="" xmlns:a14="http://schemas.microsoft.com/office/drawing/2010/main" w="9525">
                     <a:solidFill>
                       <a:srgbClr val="000000"/>
                     </a:solidFill>
@@ -10571,7 +10576,7 @@
               </a:ln>
               <a:extLst>
                 <a:ext uri="{91240B29-F687-4f45-9708-019B960494DF}">
-                  <a14:hiddenLine xmlns:a14="http://schemas.microsoft.com/office/drawing/2010/main" xmlns="" w="9525">
+                  <a14:hiddenLine xmlns="" xmlns:a14="http://schemas.microsoft.com/office/drawing/2010/main" w="9525">
                     <a:solidFill>
                       <a:srgbClr val="000000"/>
                     </a:solidFill>
@@ -10633,7 +10638,7 @@
               </a:ln>
               <a:extLst>
                 <a:ext uri="{91240B29-F687-4f45-9708-019B960494DF}">
-                  <a14:hiddenLine xmlns:a14="http://schemas.microsoft.com/office/drawing/2010/main" xmlns="" w="9525">
+                  <a14:hiddenLine xmlns="" xmlns:a14="http://schemas.microsoft.com/office/drawing/2010/main" w="9525">
                     <a:solidFill>
                       <a:srgbClr val="000000"/>
                     </a:solidFill>
@@ -10723,7 +10728,7 @@
               </a:ln>
               <a:extLst>
                 <a:ext uri="{91240B29-F687-4f45-9708-019B960494DF}">
-                  <a14:hiddenLine xmlns:a14="http://schemas.microsoft.com/office/drawing/2010/main" xmlns="" w="9525">
+                  <a14:hiddenLine xmlns="" xmlns:a14="http://schemas.microsoft.com/office/drawing/2010/main" w="9525">
                     <a:solidFill>
                       <a:srgbClr val="000000"/>
                     </a:solidFill>
@@ -10813,7 +10818,7 @@
               </a:ln>
               <a:extLst>
                 <a:ext uri="{91240B29-F687-4f45-9708-019B960494DF}">
-                  <a14:hiddenLine xmlns:a14="http://schemas.microsoft.com/office/drawing/2010/main" xmlns="" w="9525">
+                  <a14:hiddenLine xmlns="" xmlns:a14="http://schemas.microsoft.com/office/drawing/2010/main" w="9525">
                     <a:solidFill>
                       <a:srgbClr val="000000"/>
                     </a:solidFill>
@@ -10878,7 +10883,7 @@
               </a:ln>
               <a:extLst>
                 <a:ext uri="{91240B29-F687-4f45-9708-019B960494DF}">
-                  <a14:hiddenLine xmlns:a14="http://schemas.microsoft.com/office/drawing/2010/main" xmlns="" w="9525">
+                  <a14:hiddenLine xmlns="" xmlns:a14="http://schemas.microsoft.com/office/drawing/2010/main" w="9525">
                     <a:solidFill>
                       <a:srgbClr val="000000"/>
                     </a:solidFill>
@@ -10998,7 +11003,7 @@
               </a:ln>
               <a:extLst>
                 <a:ext uri="{91240B29-F687-4f45-9708-019B960494DF}">
-                  <a14:hiddenLine xmlns:a14="http://schemas.microsoft.com/office/drawing/2010/main" xmlns="" w="9525">
+                  <a14:hiddenLine xmlns="" xmlns:a14="http://schemas.microsoft.com/office/drawing/2010/main" w="9525">
                     <a:solidFill>
                       <a:srgbClr val="000000"/>
                     </a:solidFill>
@@ -11096,7 +11101,7 @@
               </a:ln>
               <a:extLst>
                 <a:ext uri="{91240B29-F687-4f45-9708-019B960494DF}">
-                  <a14:hiddenLine xmlns:a14="http://schemas.microsoft.com/office/drawing/2010/main" xmlns="" w="9525">
+                  <a14:hiddenLine xmlns="" xmlns:a14="http://schemas.microsoft.com/office/drawing/2010/main" w="9525">
                     <a:solidFill>
                       <a:srgbClr val="000000"/>
                     </a:solidFill>
@@ -11211,7 +11216,7 @@
               </a:ln>
               <a:extLst>
                 <a:ext uri="{91240B29-F687-4f45-9708-019B960494DF}">
-                  <a14:hiddenLine xmlns:a14="http://schemas.microsoft.com/office/drawing/2010/main" xmlns="" w="9525">
+                  <a14:hiddenLine xmlns="" xmlns:a14="http://schemas.microsoft.com/office/drawing/2010/main" w="9525">
                     <a:solidFill>
                       <a:srgbClr val="000000"/>
                     </a:solidFill>
@@ -11301,7 +11306,7 @@
               </a:ln>
               <a:extLst>
                 <a:ext uri="{91240B29-F687-4f45-9708-019B960494DF}">
-                  <a14:hiddenLine xmlns:a14="http://schemas.microsoft.com/office/drawing/2010/main" xmlns="" w="9525">
+                  <a14:hiddenLine xmlns="" xmlns:a14="http://schemas.microsoft.com/office/drawing/2010/main" w="9525">
                     <a:solidFill>
                       <a:srgbClr val="000000"/>
                     </a:solidFill>
@@ -11366,7 +11371,7 @@
               </a:ln>
               <a:extLst>
                 <a:ext uri="{91240B29-F687-4f45-9708-019B960494DF}">
-                  <a14:hiddenLine xmlns:a14="http://schemas.microsoft.com/office/drawing/2010/main" xmlns="" w="9525">
+                  <a14:hiddenLine xmlns="" xmlns:a14="http://schemas.microsoft.com/office/drawing/2010/main" w="9525">
                     <a:solidFill>
                       <a:srgbClr val="000000"/>
                     </a:solidFill>
@@ -11456,7 +11461,7 @@
               </a:ln>
               <a:extLst>
                 <a:ext uri="{91240B29-F687-4f45-9708-019B960494DF}">
-                  <a14:hiddenLine xmlns:a14="http://schemas.microsoft.com/office/drawing/2010/main" xmlns="" w="9525">
+                  <a14:hiddenLine xmlns="" xmlns:a14="http://schemas.microsoft.com/office/drawing/2010/main" w="9525">
                     <a:solidFill>
                       <a:srgbClr val="000000"/>
                     </a:solidFill>
@@ -11524,7 +11529,7 @@
               </a:ln>
               <a:extLst>
                 <a:ext uri="{91240B29-F687-4f45-9708-019B960494DF}">
-                  <a14:hiddenLine xmlns:a14="http://schemas.microsoft.com/office/drawing/2010/main" xmlns="" w="9525">
+                  <a14:hiddenLine xmlns="" xmlns:a14="http://schemas.microsoft.com/office/drawing/2010/main" w="9525">
                     <a:solidFill>
                       <a:srgbClr val="000000"/>
                     </a:solidFill>
@@ -11614,7 +11619,7 @@
               </a:ln>
               <a:extLst>
                 <a:ext uri="{91240B29-F687-4f45-9708-019B960494DF}">
-                  <a14:hiddenLine xmlns:a14="http://schemas.microsoft.com/office/drawing/2010/main" xmlns="" w="9525">
+                  <a14:hiddenLine xmlns="" xmlns:a14="http://schemas.microsoft.com/office/drawing/2010/main" w="9525">
                     <a:solidFill>
                       <a:srgbClr val="000000"/>
                     </a:solidFill>
@@ -11682,7 +11687,7 @@
               </a:ln>
               <a:extLst>
                 <a:ext uri="{91240B29-F687-4f45-9708-019B960494DF}">
-                  <a14:hiddenLine xmlns:a14="http://schemas.microsoft.com/office/drawing/2010/main" xmlns="" w="9525">
+                  <a14:hiddenLine xmlns="" xmlns:a14="http://schemas.microsoft.com/office/drawing/2010/main" w="9525">
                     <a:solidFill>
                       <a:srgbClr val="000000"/>
                     </a:solidFill>
@@ -11772,7 +11777,7 @@
               </a:ln>
               <a:extLst>
                 <a:ext uri="{91240B29-F687-4f45-9708-019B960494DF}">
-                  <a14:hiddenLine xmlns:a14="http://schemas.microsoft.com/office/drawing/2010/main" xmlns="" w="9525">
+                  <a14:hiddenLine xmlns="" xmlns:a14="http://schemas.microsoft.com/office/drawing/2010/main" w="9525">
                     <a:solidFill>
                       <a:srgbClr val="000000"/>
                     </a:solidFill>
@@ -11806,7 +11811,7 @@
               </a:ln>
               <a:extLst>
                 <a:ext uri="{91240B29-F687-4f45-9708-019B960494DF}">
-                  <a14:hiddenLine xmlns:a14="http://schemas.microsoft.com/office/drawing/2010/main" xmlns="" w="9525">
+                  <a14:hiddenLine xmlns="" xmlns:a14="http://schemas.microsoft.com/office/drawing/2010/main" w="9525">
                     <a:solidFill>
                       <a:srgbClr val="000000"/>
                     </a:solidFill>
@@ -13194,7 +13199,7 @@
             </a:r>
             <a:r>
               <a:rPr lang="en-US" dirty="0"/>
-              <a:t>(‘name.csv’)</a:t>
+              <a:t>(‘Salary_Data.csv’)</a:t>
             </a:r>
           </a:p>
           <a:p>
@@ -14073,7 +14078,7 @@
         </p:spPr>
         <p:txBody>
           <a:bodyPr>
-            <a:normAutofit lnSpcReduction="10000"/>
+            <a:normAutofit/>
           </a:bodyPr>
           <a:lstStyle/>
           <a:p>
@@ -14230,15 +14235,6 @@
             <a:r>
               <a:rPr lang="en-US" dirty="0"/>
               <a:t>)))</a:t>
-            </a:r>
-          </a:p>
-          <a:p>
-            <a:pPr marL="0" indent="0">
-              <a:buNone/>
-            </a:pPr>
-            <a:r>
-              <a:rPr lang="en-US" dirty="0"/>
-              <a:t>&gt;&gt;&gt; print(‘’)</a:t>
             </a:r>
           </a:p>
           <a:p>

--- a/LINEAR REGRESSION.pptx
+++ b/LINEAR REGRESSION.pptx
@@ -12419,15 +12419,108 @@
             <p:ph type="subTitle" idx="1"/>
           </p:nvPr>
         </p:nvSpPr>
-        <p:spPr/>
+        <p:spPr>
+          <a:xfrm>
+            <a:off x="1876424" y="2664069"/>
+            <a:ext cx="8791575" cy="2593731"/>
+          </a:xfrm>
+        </p:spPr>
         <p:txBody>
-          <a:bodyPr/>
+          <a:bodyPr>
+            <a:normAutofit fontScale="25000" lnSpcReduction="20000"/>
+          </a:bodyPr>
           <a:lstStyle/>
           <a:p>
             <a:pPr algn="ctr"/>
             <a:r>
+              <a:rPr lang="en-US" sz="9000" b="1" dirty="0"/>
+              <a:t>Python workshop</a:t>
+            </a:r>
+          </a:p>
+          <a:p>
+            <a:pPr algn="ctr"/>
+            <a:endParaRPr lang="en-US" sz="9000" b="1" dirty="0"/>
+          </a:p>
+          <a:p>
+            <a:pPr algn="ctr"/>
+            <a:r>
+              <a:rPr lang="en-US" sz="5600" b="1" dirty="0" err="1">
+                <a:solidFill>
+                  <a:schemeClr val="tx1"/>
+                </a:solidFill>
+              </a:rPr>
+              <a:t>Savvas</a:t>
+            </a:r>
+            <a:r>
+              <a:rPr lang="en-US" sz="5600" b="1" dirty="0">
+                <a:solidFill>
+                  <a:schemeClr val="tx1"/>
+                </a:solidFill>
+              </a:rPr>
+              <a:t> </a:t>
+            </a:r>
+            <a:r>
+              <a:rPr lang="en-US" sz="5600" b="1" dirty="0" err="1">
+                <a:solidFill>
+                  <a:schemeClr val="tx1"/>
+                </a:solidFill>
+              </a:rPr>
+              <a:t>christoforidis</a:t>
+            </a:r>
+            <a:endParaRPr lang="en-US" sz="5600" b="1" dirty="0">
+              <a:solidFill>
+                <a:schemeClr val="tx1"/>
+              </a:solidFill>
+            </a:endParaRPr>
+          </a:p>
+          <a:p>
+            <a:pPr algn="ctr"/>
+            <a:r>
+              <a:rPr lang="en-US" sz="5600" b="1" dirty="0">
+                <a:solidFill>
+                  <a:schemeClr val="tx1"/>
+                </a:solidFill>
+              </a:rPr>
+              <a:t>Stavros </a:t>
+            </a:r>
+            <a:r>
+              <a:rPr lang="en-US" sz="5600" b="1" dirty="0" err="1">
+                <a:solidFill>
+                  <a:schemeClr val="tx1"/>
+                </a:solidFill>
+              </a:rPr>
+              <a:t>portokalidis</a:t>
+            </a:r>
+            <a:endParaRPr lang="en-US" sz="5600" b="1" dirty="0">
+              <a:solidFill>
+                <a:schemeClr val="tx1"/>
+              </a:solidFill>
+            </a:endParaRPr>
+          </a:p>
+          <a:p>
+            <a:pPr algn="ctr"/>
+            <a:r>
+              <a:rPr lang="en-US" sz="5600" b="1" dirty="0">
+                <a:solidFill>
+                  <a:schemeClr val="tx1"/>
+                </a:solidFill>
+              </a:rPr>
+              <a:t>APOSTOLOS MOUSTAKLIS</a:t>
+            </a:r>
+          </a:p>
+          <a:p>
+            <a:pPr algn="ctr"/>
+            <a:endParaRPr lang="en-US" sz="3600" b="1" dirty="0"/>
+          </a:p>
+          <a:p>
+            <a:pPr algn="ctr"/>
+            <a:endParaRPr lang="en-US" sz="3600" b="1" dirty="0"/>
+          </a:p>
+          <a:p>
+            <a:pPr algn="ctr"/>
+            <a:r>
               <a:rPr lang="en-US" sz="3600" b="1" dirty="0"/>
-              <a:t>Python workshop </a:t>
+              <a:t> </a:t>
             </a:r>
           </a:p>
           <a:p>
@@ -12530,31 +12623,31 @@
               <a:buNone/>
             </a:pPr>
             <a:r>
-              <a:rPr lang="en-US" dirty="0"/>
+              <a:rPr lang="en-US" i="1" dirty="0"/>
               <a:t>&gt;&gt;&gt; </a:t>
             </a:r>
             <a:r>
-              <a:rPr lang="en-US" dirty="0" err="1"/>
+              <a:rPr lang="en-US" i="1" dirty="0" err="1"/>
               <a:t>lasso.score</a:t>
             </a:r>
             <a:r>
-              <a:rPr lang="en-US" dirty="0"/>
+              <a:rPr lang="en-US" i="1" dirty="0"/>
               <a:t>(</a:t>
             </a:r>
             <a:r>
-              <a:rPr lang="en-US" dirty="0" err="1"/>
+              <a:rPr lang="en-US" i="1" dirty="0" err="1"/>
               <a:t>X_test</a:t>
             </a:r>
             <a:r>
-              <a:rPr lang="en-US" dirty="0"/>
+              <a:rPr lang="en-US" i="1" dirty="0"/>
               <a:t>, </a:t>
             </a:r>
             <a:r>
-              <a:rPr lang="en-US" dirty="0" err="1"/>
+              <a:rPr lang="en-US" i="1" dirty="0" err="1"/>
               <a:t>y_test</a:t>
             </a:r>
             <a:r>
-              <a:rPr lang="en-US" dirty="0"/>
+              <a:rPr lang="en-US" i="1" dirty="0"/>
               <a:t>)</a:t>
             </a:r>
           </a:p>
@@ -12562,22 +12655,22 @@
             <a:pPr marL="0" indent="0">
               <a:buNone/>
             </a:pPr>
-            <a:endParaRPr lang="en-US" dirty="0"/>
+            <a:endParaRPr lang="en-US" i="1" dirty="0"/>
           </a:p>
           <a:p>
             <a:pPr marL="0" indent="0">
               <a:buNone/>
             </a:pPr>
             <a:r>
-              <a:rPr lang="en-US" dirty="0"/>
+              <a:rPr lang="en-US" i="1" dirty="0"/>
               <a:t>&gt;&gt;&gt; </a:t>
             </a:r>
             <a:r>
-              <a:rPr lang="en-US" dirty="0" err="1"/>
+              <a:rPr lang="en-US" i="1" dirty="0" err="1"/>
               <a:t>lasso.coeff</a:t>
             </a:r>
             <a:r>
-              <a:rPr lang="en-US" dirty="0"/>
+              <a:rPr lang="en-US" i="1" dirty="0"/>
               <a:t>_</a:t>
             </a:r>
           </a:p>
@@ -12585,25 +12678,25 @@
             <a:pPr marL="0" indent="0">
               <a:buNone/>
             </a:pPr>
-            <a:endParaRPr lang="en-US" dirty="0"/>
+            <a:endParaRPr lang="en-US" i="1" dirty="0"/>
           </a:p>
           <a:p>
             <a:pPr marL="0" indent="0">
               <a:buNone/>
             </a:pPr>
             <a:r>
-              <a:rPr lang="en-US" dirty="0"/>
+              <a:rPr lang="en-US" i="1" dirty="0"/>
               <a:t>&gt;&gt;&gt; </a:t>
             </a:r>
             <a:r>
-              <a:rPr lang="en-US" dirty="0" err="1"/>
+              <a:rPr lang="en-US" i="1" dirty="0" err="1"/>
               <a:t>lasso.intercept</a:t>
             </a:r>
             <a:r>
-              <a:rPr lang="en-US" dirty="0"/>
+              <a:rPr lang="en-US" i="1" dirty="0"/>
               <a:t>_</a:t>
             </a:r>
-            <a:endParaRPr lang="el-GR" dirty="0"/>
+            <a:endParaRPr lang="el-GR" i="1" dirty="0"/>
           </a:p>
           <a:p>
             <a:pPr marL="0" indent="0">
@@ -12706,39 +12799,39 @@
               <a:buNone/>
             </a:pPr>
             <a:r>
-              <a:rPr lang="en-US" dirty="0"/>
+              <a:rPr lang="en-US" i="1" dirty="0"/>
               <a:t>&gt;&gt;&gt; </a:t>
             </a:r>
             <a:r>
-              <a:rPr lang="en-US" dirty="0" err="1"/>
+              <a:rPr lang="en-US" i="1" dirty="0" err="1"/>
               <a:t>mse</a:t>
             </a:r>
             <a:r>
-              <a:rPr lang="en-US" dirty="0"/>
+              <a:rPr lang="en-US" i="1" dirty="0"/>
               <a:t> = </a:t>
             </a:r>
             <a:r>
-              <a:rPr lang="en-US" dirty="0" err="1"/>
+              <a:rPr lang="en-US" i="1" dirty="0" err="1"/>
               <a:t>mean_squared_error</a:t>
             </a:r>
             <a:r>
-              <a:rPr lang="en-US" dirty="0"/>
+              <a:rPr lang="en-US" i="1" dirty="0"/>
               <a:t>(</a:t>
             </a:r>
             <a:r>
-              <a:rPr lang="en-US" dirty="0" err="1"/>
+              <a:rPr lang="en-US" i="1" dirty="0" err="1"/>
               <a:t>y_test</a:t>
             </a:r>
             <a:r>
-              <a:rPr lang="en-US" dirty="0"/>
+              <a:rPr lang="en-US" i="1" dirty="0"/>
               <a:t>, </a:t>
             </a:r>
             <a:r>
-              <a:rPr lang="en-US" dirty="0" err="1"/>
+              <a:rPr lang="en-US" i="1" dirty="0" err="1"/>
               <a:t>y_pred</a:t>
             </a:r>
             <a:r>
-              <a:rPr lang="en-US" dirty="0"/>
+              <a:rPr lang="en-US" i="1" dirty="0"/>
               <a:t>)</a:t>
             </a:r>
           </a:p>
@@ -12747,31 +12840,31 @@
               <a:buNone/>
             </a:pPr>
             <a:r>
-              <a:rPr lang="en-US" dirty="0"/>
+              <a:rPr lang="en-US" i="1" dirty="0"/>
               <a:t>&gt;&gt;&gt; </a:t>
             </a:r>
             <a:r>
-              <a:rPr lang="en-US" dirty="0" err="1"/>
+              <a:rPr lang="en-US" i="1" dirty="0" err="1"/>
               <a:t>rmse</a:t>
             </a:r>
             <a:r>
-              <a:rPr lang="en-US" dirty="0"/>
+              <a:rPr lang="en-US" i="1" dirty="0"/>
               <a:t> = </a:t>
             </a:r>
             <a:r>
-              <a:rPr lang="en-US" dirty="0" err="1"/>
+              <a:rPr lang="en-US" i="1" dirty="0" err="1"/>
               <a:t>math.sqrt</a:t>
             </a:r>
             <a:r>
-              <a:rPr lang="en-US" dirty="0"/>
+              <a:rPr lang="en-US" i="1" dirty="0"/>
               <a:t>(</a:t>
             </a:r>
             <a:r>
-              <a:rPr lang="en-US" dirty="0" err="1"/>
+              <a:rPr lang="en-US" i="1" dirty="0" err="1"/>
               <a:t>mse</a:t>
             </a:r>
             <a:r>
-              <a:rPr lang="en-US" dirty="0"/>
+              <a:rPr lang="en-US" i="1" dirty="0"/>
               <a:t>)</a:t>
             </a:r>
           </a:p>
@@ -13032,66 +13125,66 @@
               <a:buNone/>
             </a:pPr>
             <a:r>
-              <a:rPr lang="en-US" dirty="0"/>
+              <a:rPr lang="en-US" i="1" dirty="0"/>
               <a:t>&gt;&gt;&gt; from </a:t>
             </a:r>
             <a:r>
-              <a:rPr lang="en-US" dirty="0" err="1"/>
+              <a:rPr lang="en-US" i="1" dirty="0" err="1"/>
               <a:t>sklearn.model_selection</a:t>
             </a:r>
             <a:r>
-              <a:rPr lang="en-US" dirty="0"/>
+              <a:rPr lang="en-US" i="1" dirty="0"/>
               <a:t> import </a:t>
             </a:r>
             <a:r>
-              <a:rPr lang="en-US" dirty="0" err="1"/>
+              <a:rPr lang="en-US" i="1" dirty="0" err="1"/>
               <a:t>train_test_split</a:t>
             </a:r>
-            <a:endParaRPr lang="en-US" dirty="0"/>
+            <a:endParaRPr lang="en-US" i="1" dirty="0"/>
           </a:p>
           <a:p>
             <a:pPr marL="0" indent="0">
               <a:buNone/>
             </a:pPr>
             <a:r>
-              <a:rPr lang="en-US" dirty="0"/>
+              <a:rPr lang="en-US" i="1" dirty="0"/>
               <a:t>&gt;&gt;&gt; from </a:t>
             </a:r>
             <a:r>
-              <a:rPr lang="en-US" dirty="0" err="1"/>
+              <a:rPr lang="en-US" i="1" dirty="0" err="1"/>
               <a:t>sklearn</a:t>
             </a:r>
             <a:r>
-              <a:rPr lang="en-US" dirty="0"/>
+              <a:rPr lang="en-US" i="1" dirty="0"/>
               <a:t> import </a:t>
             </a:r>
             <a:r>
-              <a:rPr lang="en-US" dirty="0" err="1"/>
+              <a:rPr lang="en-US" i="1" dirty="0" err="1"/>
               <a:t>linear_model</a:t>
             </a:r>
-            <a:endParaRPr lang="en-US" dirty="0"/>
+            <a:endParaRPr lang="en-US" i="1" dirty="0"/>
           </a:p>
           <a:p>
             <a:pPr marL="0" indent="0">
               <a:buNone/>
             </a:pPr>
             <a:r>
-              <a:rPr lang="en-US" dirty="0"/>
+              <a:rPr lang="en-US" i="1" dirty="0"/>
               <a:t>&gt;&gt;&gt; from </a:t>
             </a:r>
             <a:r>
-              <a:rPr lang="en-US" dirty="0" err="1"/>
+              <a:rPr lang="en-US" i="1" dirty="0" err="1"/>
               <a:t>sklearn.metrics</a:t>
             </a:r>
             <a:r>
-              <a:rPr lang="en-US" dirty="0"/>
+              <a:rPr lang="en-US" i="1" dirty="0"/>
               <a:t> import </a:t>
             </a:r>
             <a:r>
-              <a:rPr lang="en-US" dirty="0" err="1"/>
+              <a:rPr lang="en-US" i="1" dirty="0" err="1"/>
               <a:t>mean_squared_error</a:t>
             </a:r>
-            <a:endParaRPr lang="el-GR" dirty="0"/>
+            <a:endParaRPr lang="el-GR" i="1" dirty="0"/>
           </a:p>
         </p:txBody>
       </p:sp>
@@ -13191,15 +13284,45 @@
             </a:pPr>
             <a:r>
               <a:rPr lang="en-US" dirty="0"/>
+              <a:t> </a:t>
+            </a:r>
+            <a:r>
+              <a:rPr lang="en-US" i="1" dirty="0"/>
+              <a:t>&gt;&gt;&gt; </a:t>
+            </a:r>
+            <a:r>
+              <a:rPr lang="en-US" i="1" dirty="0" err="1"/>
+              <a:t>pd.read_csv</a:t>
+            </a:r>
+            <a:r>
+              <a:rPr lang="en-US" i="1" dirty="0"/>
+              <a:t>(‘Salary_Data.csv’)</a:t>
+            </a:r>
+          </a:p>
+          <a:p>
+            <a:pPr marL="0" indent="0">
+              <a:buNone/>
+            </a:pPr>
+            <a:r>
+              <a:rPr lang="en-US" i="1" dirty="0"/>
+              <a:t> &gt;&gt;&gt; df.info( )</a:t>
+            </a:r>
+          </a:p>
+          <a:p>
+            <a:pPr marL="0" indent="0">
+              <a:buNone/>
+            </a:pPr>
+            <a:r>
+              <a:rPr lang="en-US" i="1" dirty="0"/>
               <a:t> &gt;&gt;&gt; </a:t>
             </a:r>
             <a:r>
-              <a:rPr lang="en-US" dirty="0" err="1"/>
-              <a:t>pd.read_csv</a:t>
-            </a:r>
-            <a:r>
-              <a:rPr lang="en-US" dirty="0"/>
-              <a:t>(‘Salary_Data.csv’)</a:t>
+              <a:rPr lang="en-US" i="1" dirty="0" err="1"/>
+              <a:t>df.head</a:t>
+            </a:r>
+            <a:r>
+              <a:rPr lang="en-US" i="1" dirty="0"/>
+              <a:t>( )</a:t>
             </a:r>
           </a:p>
           <a:p>
@@ -13207,8 +13330,24 @@
               <a:buNone/>
             </a:pPr>
             <a:r>
-              <a:rPr lang="en-US" dirty="0"/>
-              <a:t> &gt;&gt;&gt; df.info( )</a:t>
+              <a:rPr lang="en-US" i="1" dirty="0"/>
+              <a:t> &gt;&gt;&gt; x=</a:t>
+            </a:r>
+            <a:r>
+              <a:rPr lang="en-US" i="1" dirty="0" err="1"/>
+              <a:t>df</a:t>
+            </a:r>
+            <a:r>
+              <a:rPr lang="en-US" i="1" dirty="0"/>
+              <a:t>[['</a:t>
+            </a:r>
+            <a:r>
+              <a:rPr lang="en-US" i="1" dirty="0" err="1"/>
+              <a:t>YearsExperience</a:t>
+            </a:r>
+            <a:r>
+              <a:rPr lang="en-US" i="1" dirty="0"/>
+              <a:t>’]]</a:t>
             </a:r>
           </a:p>
           <a:p>
@@ -13216,16 +13355,16 @@
               <a:buNone/>
             </a:pPr>
             <a:r>
-              <a:rPr lang="en-US" dirty="0"/>
-              <a:t> &gt;&gt;&gt; </a:t>
-            </a:r>
-            <a:r>
-              <a:rPr lang="en-US" dirty="0" err="1"/>
-              <a:t>df.head</a:t>
-            </a:r>
-            <a:r>
-              <a:rPr lang="en-US" dirty="0"/>
-              <a:t>( )</a:t>
+              <a:rPr lang="en-US" i="1" dirty="0"/>
+              <a:t> &gt;&gt;&gt; y=</a:t>
+            </a:r>
+            <a:r>
+              <a:rPr lang="en-US" i="1" dirty="0" err="1"/>
+              <a:t>df</a:t>
+            </a:r>
+            <a:r>
+              <a:rPr lang="en-US" i="1" dirty="0"/>
+              <a:t>[['Salary’]]</a:t>
             </a:r>
           </a:p>
           <a:p>
@@ -13233,65 +13372,23 @@
               <a:buNone/>
             </a:pPr>
             <a:r>
-              <a:rPr lang="en-US" dirty="0"/>
-              <a:t> &gt;&gt;&gt; x=</a:t>
-            </a:r>
-            <a:r>
-              <a:rPr lang="en-US" dirty="0" err="1"/>
-              <a:t>df</a:t>
-            </a:r>
-            <a:r>
-              <a:rPr lang="en-US" dirty="0"/>
-              <a:t>[['</a:t>
-            </a:r>
-            <a:r>
-              <a:rPr lang="en-US" dirty="0" err="1"/>
-              <a:t>YearsExperience</a:t>
-            </a:r>
-            <a:r>
-              <a:rPr lang="en-US" dirty="0"/>
-              <a:t>’]]</a:t>
-            </a:r>
-          </a:p>
-          <a:p>
-            <a:pPr marL="0" indent="0">
-              <a:buNone/>
-            </a:pPr>
-            <a:r>
-              <a:rPr lang="en-US" dirty="0"/>
-              <a:t> &gt;&gt;&gt; y=</a:t>
-            </a:r>
-            <a:r>
-              <a:rPr lang="en-US" dirty="0" err="1"/>
-              <a:t>df</a:t>
-            </a:r>
-            <a:r>
-              <a:rPr lang="en-US" dirty="0"/>
-              <a:t>[['Salary’]]</a:t>
-            </a:r>
-          </a:p>
-          <a:p>
-            <a:pPr marL="0" indent="0">
-              <a:buNone/>
-            </a:pPr>
-            <a:r>
-              <a:rPr lang="en-US" dirty="0"/>
+              <a:rPr lang="en-US" i="1" dirty="0"/>
               <a:t>&gt;&gt;&gt; </a:t>
             </a:r>
             <a:r>
-              <a:rPr lang="en-US" dirty="0" err="1"/>
+              <a:rPr lang="en-US" i="1" dirty="0" err="1"/>
               <a:t>plt.scatter</a:t>
             </a:r>
             <a:r>
-              <a:rPr lang="en-US" dirty="0"/>
+              <a:rPr lang="en-US" i="1" dirty="0"/>
               <a:t>(</a:t>
             </a:r>
             <a:r>
-              <a:rPr lang="en-US" dirty="0" err="1"/>
+              <a:rPr lang="en-US" i="1" dirty="0" err="1"/>
               <a:t>x,y</a:t>
             </a:r>
             <a:r>
-              <a:rPr lang="en-US" dirty="0"/>
+              <a:rPr lang="en-US" i="1" dirty="0"/>
               <a:t>)</a:t>
             </a:r>
           </a:p>
@@ -13409,55 +13506,55 @@
               <a:buNone/>
             </a:pPr>
             <a:r>
-              <a:rPr lang="en-US" dirty="0"/>
+              <a:rPr lang="en-US" i="1" dirty="0"/>
               <a:t>&gt;&gt;&gt; </a:t>
             </a:r>
             <a:r>
-              <a:rPr lang="en-US" dirty="0" err="1"/>
+              <a:rPr lang="en-US" i="1" dirty="0" err="1"/>
               <a:t>x_train</a:t>
             </a:r>
             <a:r>
-              <a:rPr lang="en-US" dirty="0"/>
+              <a:rPr lang="en-US" i="1" dirty="0"/>
               <a:t> , </a:t>
             </a:r>
             <a:r>
-              <a:rPr lang="en-US" dirty="0" err="1"/>
+              <a:rPr lang="en-US" i="1" dirty="0" err="1"/>
               <a:t>x_test</a:t>
             </a:r>
             <a:r>
-              <a:rPr lang="en-US" dirty="0"/>
+              <a:rPr lang="en-US" i="1" dirty="0"/>
               <a:t> , </a:t>
             </a:r>
             <a:r>
-              <a:rPr lang="en-US" dirty="0" err="1"/>
+              <a:rPr lang="en-US" i="1" dirty="0" err="1"/>
               <a:t>y_train</a:t>
             </a:r>
             <a:r>
-              <a:rPr lang="en-US" dirty="0"/>
+              <a:rPr lang="en-US" i="1" dirty="0"/>
               <a:t> , </a:t>
             </a:r>
             <a:r>
-              <a:rPr lang="en-US" dirty="0" err="1"/>
+              <a:rPr lang="en-US" i="1" dirty="0" err="1"/>
               <a:t>y_test</a:t>
             </a:r>
             <a:r>
-              <a:rPr lang="en-US" dirty="0"/>
+              <a:rPr lang="en-US" i="1" dirty="0"/>
               <a:t> = </a:t>
             </a:r>
             <a:r>
-              <a:rPr lang="en-US" dirty="0" err="1"/>
+              <a:rPr lang="en-US" i="1" dirty="0" err="1"/>
               <a:t>train_test_split</a:t>
             </a:r>
             <a:r>
-              <a:rPr lang="en-US" dirty="0"/>
+              <a:rPr lang="en-US" i="1" dirty="0"/>
               <a:t>(</a:t>
             </a:r>
             <a:r>
-              <a:rPr lang="en-US" dirty="0" err="1"/>
+              <a:rPr lang="en-US" i="1" dirty="0" err="1"/>
               <a:t>x,y,test_size</a:t>
             </a:r>
             <a:r>
-              <a:rPr lang="en-US" dirty="0"/>
+              <a:rPr lang="en-US" i="1" dirty="0"/>
               <a:t>=0.25)</a:t>
             </a:r>
           </a:p>
@@ -13472,23 +13569,23 @@
               <a:buNone/>
             </a:pPr>
             <a:r>
-              <a:rPr lang="en-US" dirty="0"/>
+              <a:rPr lang="en-US" i="1" dirty="0"/>
               <a:t>&gt;&gt;&gt; </a:t>
             </a:r>
             <a:r>
-              <a:rPr lang="en-US" dirty="0" err="1"/>
+              <a:rPr lang="en-US" i="1" dirty="0" err="1"/>
               <a:t>lr_model</a:t>
             </a:r>
             <a:r>
-              <a:rPr lang="en-US" dirty="0"/>
+              <a:rPr lang="en-US" i="1" dirty="0"/>
               <a:t> = </a:t>
             </a:r>
             <a:r>
-              <a:rPr lang="en-US" dirty="0" err="1"/>
+              <a:rPr lang="en-US" i="1" dirty="0" err="1"/>
               <a:t>linear_model.LinearRegression</a:t>
             </a:r>
             <a:r>
-              <a:rPr lang="en-US" dirty="0"/>
+              <a:rPr lang="en-US" i="1" dirty="0"/>
               <a:t>()</a:t>
             </a:r>
           </a:p>
@@ -13497,31 +13594,31 @@
               <a:buNone/>
             </a:pPr>
             <a:r>
-              <a:rPr lang="en-US" dirty="0"/>
-              <a:t> &gt;&gt;&gt; </a:t>
-            </a:r>
-            <a:r>
-              <a:rPr lang="en-US" dirty="0" err="1"/>
+              <a:rPr lang="en-US" i="1" dirty="0"/>
+              <a:t>&gt;&gt;&gt; </a:t>
+            </a:r>
+            <a:r>
+              <a:rPr lang="en-US" i="1" dirty="0" err="1"/>
               <a:t>lr_model.fit</a:t>
             </a:r>
             <a:r>
-              <a:rPr lang="en-US" dirty="0"/>
+              <a:rPr lang="en-US" i="1" dirty="0"/>
               <a:t>(</a:t>
             </a:r>
             <a:r>
-              <a:rPr lang="en-US" dirty="0" err="1"/>
+              <a:rPr lang="en-US" i="1" dirty="0" err="1"/>
               <a:t>x_train</a:t>
             </a:r>
             <a:r>
-              <a:rPr lang="en-US" dirty="0"/>
+              <a:rPr lang="en-US" i="1" dirty="0"/>
               <a:t>, </a:t>
             </a:r>
             <a:r>
-              <a:rPr lang="en-US" dirty="0" err="1"/>
+              <a:rPr lang="en-US" i="1" dirty="0" err="1"/>
               <a:t>y_train</a:t>
             </a:r>
             <a:r>
-              <a:rPr lang="en-US" dirty="0"/>
+              <a:rPr lang="en-US" i="1" dirty="0"/>
               <a:t>)</a:t>
             </a:r>
           </a:p>
@@ -13530,7 +13627,7 @@
               <a:buNone/>
             </a:pPr>
             <a:r>
-              <a:rPr lang="en-US" dirty="0"/>
+              <a:rPr lang="en-US" i="1" dirty="0"/>
               <a:t>&gt;&gt;&gt; print('LINEAR MODEL')</a:t>
             </a:r>
           </a:p>
@@ -13539,23 +13636,23 @@
               <a:buNone/>
             </a:pPr>
             <a:r>
-              <a:rPr lang="en-US" dirty="0"/>
+              <a:rPr lang="en-US" i="1" dirty="0"/>
               <a:t>&gt;&gt;&gt; print('y = ' , float(</a:t>
             </a:r>
             <a:r>
-              <a:rPr lang="en-US" dirty="0" err="1"/>
+              <a:rPr lang="en-US" i="1" dirty="0" err="1"/>
               <a:t>lr_model.coef</a:t>
             </a:r>
             <a:r>
-              <a:rPr lang="en-US" dirty="0"/>
+              <a:rPr lang="en-US" i="1" dirty="0"/>
               <a:t>_[0]) , ' * x + ' , float(</a:t>
             </a:r>
             <a:r>
-              <a:rPr lang="en-US" dirty="0" err="1"/>
+              <a:rPr lang="en-US" i="1" dirty="0" err="1"/>
               <a:t>lr_model.intercept</a:t>
             </a:r>
             <a:r>
-              <a:rPr lang="en-US" dirty="0"/>
+              <a:rPr lang="en-US" i="1" dirty="0"/>
               <a:t>_))</a:t>
             </a:r>
           </a:p>
@@ -13564,31 +13661,31 @@
               <a:buNone/>
             </a:pPr>
             <a:r>
-              <a:rPr lang="en-US" dirty="0"/>
+              <a:rPr lang="en-US" i="1" dirty="0"/>
               <a:t>&gt;&gt;&gt; print('Training score: {}'.format(</a:t>
             </a:r>
             <a:r>
-              <a:rPr lang="en-US" dirty="0" err="1"/>
+              <a:rPr lang="en-US" i="1" dirty="0" err="1"/>
               <a:t>lr_model.score</a:t>
             </a:r>
             <a:r>
-              <a:rPr lang="en-US" dirty="0"/>
+              <a:rPr lang="en-US" i="1" dirty="0"/>
               <a:t>(</a:t>
             </a:r>
             <a:r>
-              <a:rPr lang="en-US" dirty="0" err="1"/>
+              <a:rPr lang="en-US" i="1" dirty="0" err="1"/>
               <a:t>x_train</a:t>
             </a:r>
             <a:r>
-              <a:rPr lang="en-US" dirty="0"/>
+              <a:rPr lang="en-US" i="1" dirty="0"/>
               <a:t>, </a:t>
             </a:r>
             <a:r>
-              <a:rPr lang="en-US" dirty="0" err="1"/>
+              <a:rPr lang="en-US" i="1" dirty="0" err="1"/>
               <a:t>y_train</a:t>
             </a:r>
             <a:r>
-              <a:rPr lang="en-US" dirty="0"/>
+              <a:rPr lang="en-US" i="1" dirty="0"/>
               <a:t>)))</a:t>
             </a:r>
           </a:p>
@@ -13597,31 +13694,31 @@
               <a:buNone/>
             </a:pPr>
             <a:r>
-              <a:rPr lang="en-US" dirty="0"/>
+              <a:rPr lang="en-US" i="1" dirty="0"/>
               <a:t>&gt;&gt;&gt; print('Test score: {}'.format(</a:t>
             </a:r>
             <a:r>
-              <a:rPr lang="en-US" dirty="0" err="1"/>
+              <a:rPr lang="en-US" i="1" dirty="0" err="1"/>
               <a:t>lr_model.score</a:t>
             </a:r>
             <a:r>
-              <a:rPr lang="en-US" dirty="0"/>
+              <a:rPr lang="en-US" i="1" dirty="0"/>
               <a:t>(</a:t>
             </a:r>
             <a:r>
-              <a:rPr lang="en-US" dirty="0" err="1"/>
+              <a:rPr lang="en-US" i="1" dirty="0" err="1"/>
               <a:t>x_test</a:t>
             </a:r>
             <a:r>
-              <a:rPr lang="en-US" dirty="0"/>
+              <a:rPr lang="en-US" i="1" dirty="0"/>
               <a:t>, </a:t>
             </a:r>
             <a:r>
-              <a:rPr lang="en-US" dirty="0" err="1"/>
+              <a:rPr lang="en-US" i="1" dirty="0" err="1"/>
               <a:t>y_test</a:t>
             </a:r>
             <a:r>
-              <a:rPr lang="en-US" dirty="0"/>
+              <a:rPr lang="en-US" i="1" dirty="0"/>
               <a:t>)))</a:t>
             </a:r>
           </a:p>
@@ -13630,34 +13727,34 @@
               <a:buNone/>
             </a:pPr>
             <a:r>
-              <a:rPr lang="en-US" dirty="0"/>
+              <a:rPr lang="en-US" i="1" dirty="0"/>
               <a:t>&gt;&gt;&gt; </a:t>
             </a:r>
             <a:r>
-              <a:rPr lang="en-US" dirty="0" err="1"/>
+              <a:rPr lang="en-US" i="1" dirty="0" err="1"/>
               <a:t>y_pred</a:t>
             </a:r>
             <a:r>
-              <a:rPr lang="en-US" dirty="0"/>
+              <a:rPr lang="en-US" i="1" dirty="0"/>
               <a:t> = </a:t>
             </a:r>
             <a:r>
-              <a:rPr lang="en-US" dirty="0" err="1"/>
+              <a:rPr lang="en-US" i="1" dirty="0" err="1"/>
               <a:t>lr_model.predict</a:t>
             </a:r>
             <a:r>
-              <a:rPr lang="en-US" dirty="0"/>
+              <a:rPr lang="en-US" i="1" dirty="0"/>
               <a:t>(</a:t>
             </a:r>
             <a:r>
-              <a:rPr lang="en-US" dirty="0" err="1"/>
+              <a:rPr lang="en-US" i="1" dirty="0" err="1"/>
               <a:t>x_test</a:t>
             </a:r>
             <a:r>
-              <a:rPr lang="en-US" dirty="0"/>
+              <a:rPr lang="en-US" i="1" dirty="0"/>
               <a:t>)</a:t>
             </a:r>
-            <a:endParaRPr lang="el-GR" dirty="0"/>
+            <a:endParaRPr lang="el-GR" i="1" dirty="0"/>
           </a:p>
         </p:txBody>
       </p:sp>
@@ -13754,39 +13851,39 @@
               <a:buNone/>
             </a:pPr>
             <a:r>
-              <a:rPr lang="en-US" dirty="0"/>
+              <a:rPr lang="en-US" i="1" dirty="0"/>
               <a:t>&gt;&gt;&gt; </a:t>
             </a:r>
             <a:r>
-              <a:rPr lang="en-US" dirty="0" err="1"/>
+              <a:rPr lang="en-US" i="1" dirty="0" err="1"/>
               <a:t>mse</a:t>
             </a:r>
             <a:r>
-              <a:rPr lang="en-US" dirty="0"/>
+              <a:rPr lang="en-US" i="1" dirty="0"/>
               <a:t> = </a:t>
             </a:r>
             <a:r>
-              <a:rPr lang="en-US" dirty="0" err="1"/>
+              <a:rPr lang="en-US" i="1" dirty="0" err="1"/>
               <a:t>mean_squared_error</a:t>
             </a:r>
             <a:r>
-              <a:rPr lang="en-US" dirty="0"/>
+              <a:rPr lang="en-US" i="1" dirty="0"/>
               <a:t>(</a:t>
             </a:r>
             <a:r>
-              <a:rPr lang="en-US" dirty="0" err="1"/>
+              <a:rPr lang="en-US" i="1" dirty="0" err="1"/>
               <a:t>y_test</a:t>
             </a:r>
             <a:r>
-              <a:rPr lang="en-US" dirty="0"/>
+              <a:rPr lang="en-US" i="1" dirty="0"/>
               <a:t>, </a:t>
             </a:r>
             <a:r>
-              <a:rPr lang="en-US" dirty="0" err="1"/>
+              <a:rPr lang="en-US" i="1" dirty="0" err="1"/>
               <a:t>y_pred</a:t>
             </a:r>
             <a:r>
-              <a:rPr lang="en-US" dirty="0"/>
+              <a:rPr lang="en-US" i="1" dirty="0"/>
               <a:t>)</a:t>
             </a:r>
           </a:p>
@@ -13795,31 +13892,31 @@
               <a:buNone/>
             </a:pPr>
             <a:r>
-              <a:rPr lang="en-US" dirty="0"/>
+              <a:rPr lang="en-US" i="1" dirty="0"/>
               <a:t>&gt;&gt;&gt; </a:t>
             </a:r>
             <a:r>
-              <a:rPr lang="en-US" dirty="0" err="1"/>
+              <a:rPr lang="en-US" i="1" dirty="0" err="1"/>
               <a:t>rmse</a:t>
             </a:r>
             <a:r>
-              <a:rPr lang="en-US" dirty="0"/>
+              <a:rPr lang="en-US" i="1" dirty="0"/>
               <a:t> = </a:t>
             </a:r>
             <a:r>
-              <a:rPr lang="en-US" dirty="0" err="1"/>
+              <a:rPr lang="en-US" i="1" dirty="0" err="1"/>
               <a:t>math.sqrt</a:t>
             </a:r>
             <a:r>
-              <a:rPr lang="en-US" dirty="0"/>
+              <a:rPr lang="en-US" i="1" dirty="0"/>
               <a:t>(</a:t>
             </a:r>
             <a:r>
-              <a:rPr lang="en-US" dirty="0" err="1"/>
+              <a:rPr lang="en-US" i="1" dirty="0" err="1"/>
               <a:t>mse</a:t>
             </a:r>
             <a:r>
-              <a:rPr lang="en-US" dirty="0"/>
+              <a:rPr lang="en-US" i="1" dirty="0"/>
               <a:t>)</a:t>
             </a:r>
           </a:p>
@@ -13828,15 +13925,15 @@
               <a:buNone/>
             </a:pPr>
             <a:r>
-              <a:rPr lang="en-US" dirty="0"/>
+              <a:rPr lang="en-US" i="1" dirty="0"/>
               <a:t>&gt;&gt;&gt; print('RMSE: {}'.format(</a:t>
             </a:r>
             <a:r>
-              <a:rPr lang="en-US" dirty="0" err="1"/>
+              <a:rPr lang="en-US" i="1" dirty="0" err="1"/>
               <a:t>rmse</a:t>
             </a:r>
             <a:r>
-              <a:rPr lang="en-US" dirty="0"/>
+              <a:rPr lang="en-US" i="1" dirty="0"/>
               <a:t>))</a:t>
             </a:r>
           </a:p>
@@ -13939,23 +14036,23 @@
               <a:buNone/>
             </a:pPr>
             <a:r>
-              <a:rPr lang="en-US" dirty="0"/>
+              <a:rPr lang="en-US" i="1" dirty="0"/>
               <a:t>&gt;&gt;&gt; </a:t>
             </a:r>
             <a:r>
-              <a:rPr lang="en-US" dirty="0" err="1"/>
+              <a:rPr lang="en-US" i="1" dirty="0" err="1"/>
               <a:t>plt.scatter</a:t>
             </a:r>
             <a:r>
-              <a:rPr lang="en-US" dirty="0"/>
+              <a:rPr lang="en-US" i="1" dirty="0"/>
               <a:t>(</a:t>
             </a:r>
             <a:r>
-              <a:rPr lang="en-US" dirty="0" err="1"/>
+              <a:rPr lang="en-US" i="1" dirty="0" err="1"/>
               <a:t>x_test,y_test</a:t>
             </a:r>
             <a:r>
-              <a:rPr lang="en-US" dirty="0"/>
+              <a:rPr lang="en-US" i="1" dirty="0"/>
               <a:t>)</a:t>
             </a:r>
           </a:p>
@@ -13964,26 +14061,26 @@
               <a:buNone/>
             </a:pPr>
             <a:r>
-              <a:rPr lang="en-US" dirty="0"/>
+              <a:rPr lang="en-US" i="1" dirty="0"/>
               <a:t>&gt;&gt;&gt; </a:t>
             </a:r>
             <a:r>
-              <a:rPr lang="en-US" dirty="0" err="1"/>
+              <a:rPr lang="en-US" i="1" dirty="0" err="1"/>
               <a:t>plt.plot</a:t>
             </a:r>
             <a:r>
-              <a:rPr lang="en-US" dirty="0"/>
+              <a:rPr lang="en-US" i="1" dirty="0"/>
               <a:t>(</a:t>
             </a:r>
             <a:r>
-              <a:rPr lang="en-US" dirty="0" err="1"/>
+              <a:rPr lang="en-US" i="1" dirty="0" err="1"/>
               <a:t>x_test,y_pred</a:t>
             </a:r>
             <a:r>
-              <a:rPr lang="en-US" dirty="0"/>
+              <a:rPr lang="en-US" i="1" dirty="0"/>
               <a:t>)</a:t>
             </a:r>
-            <a:endParaRPr lang="el-GR" dirty="0"/>
+            <a:endParaRPr lang="el-GR" i="1" dirty="0"/>
           </a:p>
         </p:txBody>
       </p:sp>
@@ -14092,15 +14189,15 @@
               <a:buNone/>
             </a:pPr>
             <a:r>
-              <a:rPr lang="en-US" dirty="0"/>
+              <a:rPr lang="en-US" i="1" dirty="0"/>
               <a:t>&gt;&gt;&gt; ridge = </a:t>
             </a:r>
             <a:r>
-              <a:rPr lang="en-US" dirty="0" err="1"/>
+              <a:rPr lang="en-US" i="1" dirty="0" err="1"/>
               <a:t>linear_model.Ridge</a:t>
             </a:r>
             <a:r>
-              <a:rPr lang="en-US" dirty="0"/>
+              <a:rPr lang="en-US" i="1" dirty="0"/>
               <a:t>(alpha=1.0)</a:t>
             </a:r>
           </a:p>
@@ -14109,31 +14206,31 @@
               <a:buNone/>
             </a:pPr>
             <a:r>
-              <a:rPr lang="en-US" dirty="0"/>
+              <a:rPr lang="en-US" i="1" dirty="0"/>
               <a:t>&gt;&gt;&gt; </a:t>
             </a:r>
             <a:r>
-              <a:rPr lang="en-US" dirty="0" err="1"/>
+              <a:rPr lang="en-US" i="1" dirty="0" err="1"/>
               <a:t>ridge.fit</a:t>
             </a:r>
             <a:r>
-              <a:rPr lang="en-US" dirty="0"/>
+              <a:rPr lang="en-US" i="1" dirty="0"/>
               <a:t>(</a:t>
             </a:r>
             <a:r>
-              <a:rPr lang="en-US" dirty="0" err="1"/>
+              <a:rPr lang="en-US" i="1" dirty="0" err="1"/>
               <a:t>x_train</a:t>
             </a:r>
             <a:r>
-              <a:rPr lang="en-US" dirty="0"/>
+              <a:rPr lang="en-US" i="1" dirty="0"/>
               <a:t>, </a:t>
             </a:r>
             <a:r>
-              <a:rPr lang="en-US" dirty="0" err="1"/>
+              <a:rPr lang="en-US" i="1" dirty="0" err="1"/>
               <a:t>y_train</a:t>
             </a:r>
             <a:r>
-              <a:rPr lang="en-US" dirty="0"/>
+              <a:rPr lang="en-US" i="1" dirty="0"/>
               <a:t>)</a:t>
             </a:r>
           </a:p>
@@ -14142,7 +14239,7 @@
               <a:buNone/>
             </a:pPr>
             <a:r>
-              <a:rPr lang="en-US" dirty="0"/>
+              <a:rPr lang="en-US" i="1" dirty="0"/>
               <a:t>&gt;&gt;&gt; print('RIDGE MODEL')</a:t>
             </a:r>
           </a:p>
@@ -14151,23 +14248,23 @@
               <a:buNone/>
             </a:pPr>
             <a:r>
-              <a:rPr lang="en-US" dirty="0"/>
+              <a:rPr lang="en-US" i="1" dirty="0"/>
               <a:t>&gt;&gt;&gt; print('y = ' , float(</a:t>
             </a:r>
             <a:r>
-              <a:rPr lang="en-US" dirty="0" err="1"/>
+              <a:rPr lang="en-US" i="1" dirty="0" err="1"/>
               <a:t>ridge.coef</a:t>
             </a:r>
             <a:r>
-              <a:rPr lang="en-US" dirty="0"/>
+              <a:rPr lang="en-US" i="1" dirty="0"/>
               <a:t>_[0]) , ' * x + ' , float(</a:t>
             </a:r>
             <a:r>
-              <a:rPr lang="en-US" dirty="0" err="1"/>
+              <a:rPr lang="en-US" i="1" dirty="0" err="1"/>
               <a:t>ridge.intercept</a:t>
             </a:r>
             <a:r>
-              <a:rPr lang="en-US" dirty="0"/>
+              <a:rPr lang="en-US" i="1" dirty="0"/>
               <a:t>_))</a:t>
             </a:r>
           </a:p>
@@ -14176,31 +14273,31 @@
               <a:buNone/>
             </a:pPr>
             <a:r>
-              <a:rPr lang="en-US" dirty="0"/>
+              <a:rPr lang="en-US" i="1" dirty="0"/>
               <a:t>&gt;&gt;&gt; print('Training Score: {}'.format(</a:t>
             </a:r>
             <a:r>
-              <a:rPr lang="en-US" dirty="0" err="1"/>
+              <a:rPr lang="en-US" i="1" dirty="0" err="1"/>
               <a:t>ridge.score</a:t>
             </a:r>
             <a:r>
-              <a:rPr lang="en-US" dirty="0"/>
+              <a:rPr lang="en-US" i="1" dirty="0"/>
               <a:t>(</a:t>
             </a:r>
             <a:r>
-              <a:rPr lang="en-US" dirty="0" err="1"/>
+              <a:rPr lang="en-US" i="1" dirty="0" err="1"/>
               <a:t>x_train</a:t>
             </a:r>
             <a:r>
-              <a:rPr lang="en-US" dirty="0"/>
+              <a:rPr lang="en-US" i="1" dirty="0"/>
               <a:t>, </a:t>
             </a:r>
             <a:r>
-              <a:rPr lang="en-US" dirty="0" err="1"/>
+              <a:rPr lang="en-US" i="1" dirty="0" err="1"/>
               <a:t>y_train</a:t>
             </a:r>
             <a:r>
-              <a:rPr lang="en-US" dirty="0"/>
+              <a:rPr lang="en-US" i="1" dirty="0"/>
               <a:t>)))</a:t>
             </a:r>
           </a:p>
@@ -14209,31 +14306,31 @@
               <a:buNone/>
             </a:pPr>
             <a:r>
-              <a:rPr lang="en-US" dirty="0"/>
+              <a:rPr lang="en-US" i="1" dirty="0"/>
               <a:t>&gt;&gt;&gt; print('Test Score: {}'.format(</a:t>
             </a:r>
             <a:r>
-              <a:rPr lang="en-US" dirty="0" err="1"/>
+              <a:rPr lang="en-US" i="1" dirty="0" err="1"/>
               <a:t>ridge.score</a:t>
             </a:r>
             <a:r>
-              <a:rPr lang="en-US" dirty="0"/>
+              <a:rPr lang="en-US" i="1" dirty="0"/>
               <a:t>(</a:t>
             </a:r>
             <a:r>
-              <a:rPr lang="en-US" dirty="0" err="1"/>
+              <a:rPr lang="en-US" i="1" dirty="0" err="1"/>
               <a:t>x_test</a:t>
             </a:r>
             <a:r>
-              <a:rPr lang="en-US" dirty="0"/>
+              <a:rPr lang="en-US" i="1" dirty="0"/>
               <a:t>, </a:t>
             </a:r>
             <a:r>
-              <a:rPr lang="en-US" dirty="0" err="1"/>
+              <a:rPr lang="en-US" i="1" dirty="0" err="1"/>
               <a:t>y_test</a:t>
             </a:r>
             <a:r>
-              <a:rPr lang="en-US" dirty="0"/>
+              <a:rPr lang="en-US" i="1" dirty="0"/>
               <a:t>)))</a:t>
             </a:r>
           </a:p>
@@ -14242,34 +14339,34 @@
               <a:buNone/>
             </a:pPr>
             <a:r>
-              <a:rPr lang="en-US" dirty="0"/>
+              <a:rPr lang="en-US" i="1" dirty="0"/>
               <a:t>&gt;&gt;&gt; </a:t>
             </a:r>
             <a:r>
-              <a:rPr lang="en-US" dirty="0" err="1"/>
+              <a:rPr lang="en-US" i="1" dirty="0" err="1"/>
               <a:t>y_ridge_pred</a:t>
             </a:r>
             <a:r>
-              <a:rPr lang="en-US" dirty="0"/>
+              <a:rPr lang="en-US" i="1" dirty="0"/>
               <a:t> = </a:t>
             </a:r>
             <a:r>
-              <a:rPr lang="en-US" dirty="0" err="1"/>
+              <a:rPr lang="en-US" i="1" dirty="0" err="1"/>
               <a:t>ridge.predict</a:t>
             </a:r>
             <a:r>
-              <a:rPr lang="en-US" dirty="0"/>
+              <a:rPr lang="en-US" i="1" dirty="0"/>
               <a:t>(</a:t>
             </a:r>
             <a:r>
-              <a:rPr lang="en-US" dirty="0" err="1"/>
+              <a:rPr lang="en-US" i="1" dirty="0" err="1"/>
               <a:t>x_test</a:t>
             </a:r>
             <a:r>
-              <a:rPr lang="en-US" dirty="0"/>
+              <a:rPr lang="en-US" i="1" dirty="0"/>
               <a:t>)</a:t>
             </a:r>
-            <a:endParaRPr lang="el-GR" dirty="0"/>
+            <a:endParaRPr lang="el-GR" i="1" dirty="0"/>
           </a:p>
         </p:txBody>
       </p:sp>
@@ -14376,15 +14473,15 @@
               <a:buNone/>
             </a:pPr>
             <a:r>
-              <a:rPr lang="en-US" dirty="0"/>
+              <a:rPr lang="en-US" i="1" dirty="0"/>
               <a:t>&gt;&gt;&gt; lasso = </a:t>
             </a:r>
             <a:r>
-              <a:rPr lang="en-US" dirty="0" err="1"/>
+              <a:rPr lang="en-US" i="1" dirty="0" err="1"/>
               <a:t>linear_model.Lasso</a:t>
             </a:r>
             <a:r>
-              <a:rPr lang="en-US" dirty="0"/>
+              <a:rPr lang="en-US" i="1" dirty="0"/>
               <a:t>(alpha=0.01)</a:t>
             </a:r>
           </a:p>
@@ -14393,31 +14490,31 @@
               <a:buNone/>
             </a:pPr>
             <a:r>
-              <a:rPr lang="en-US" dirty="0"/>
+              <a:rPr lang="en-US" i="1" dirty="0"/>
               <a:t>&gt;&gt;&gt; </a:t>
             </a:r>
             <a:r>
-              <a:rPr lang="en-US" dirty="0" err="1"/>
+              <a:rPr lang="en-US" i="1" dirty="0" err="1"/>
               <a:t>lasso.fit</a:t>
             </a:r>
             <a:r>
-              <a:rPr lang="en-US" dirty="0"/>
+              <a:rPr lang="en-US" i="1" dirty="0"/>
               <a:t>(</a:t>
             </a:r>
             <a:r>
-              <a:rPr lang="en-US" dirty="0" err="1"/>
+              <a:rPr lang="en-US" i="1" dirty="0" err="1"/>
               <a:t>x_train</a:t>
             </a:r>
             <a:r>
-              <a:rPr lang="en-US" dirty="0"/>
+              <a:rPr lang="en-US" i="1" dirty="0"/>
               <a:t>, </a:t>
             </a:r>
             <a:r>
-              <a:rPr lang="en-US" dirty="0" err="1"/>
+              <a:rPr lang="en-US" i="1" dirty="0" err="1"/>
               <a:t>y_train</a:t>
             </a:r>
             <a:r>
-              <a:rPr lang="en-US" dirty="0"/>
+              <a:rPr lang="en-US" i="1" dirty="0"/>
               <a:t>)</a:t>
             </a:r>
           </a:p>
@@ -14426,7 +14523,7 @@
               <a:buNone/>
             </a:pPr>
             <a:r>
-              <a:rPr lang="en-US" dirty="0"/>
+              <a:rPr lang="en-US" i="1" dirty="0"/>
               <a:t>&gt;&gt;&gt; print('LASSO MODEL’)</a:t>
             </a:r>
           </a:p>
@@ -14435,23 +14532,23 @@
               <a:buNone/>
             </a:pPr>
             <a:r>
-              <a:rPr lang="en-US" dirty="0"/>
+              <a:rPr lang="en-US" i="1" dirty="0"/>
               <a:t>&gt;&gt;&gt; print('y = ' , float(</a:t>
             </a:r>
             <a:r>
-              <a:rPr lang="en-US" dirty="0" err="1"/>
+              <a:rPr lang="en-US" i="1" dirty="0" err="1"/>
               <a:t>lasso.coef</a:t>
             </a:r>
             <a:r>
-              <a:rPr lang="en-US" dirty="0"/>
+              <a:rPr lang="en-US" i="1" dirty="0"/>
               <a:t>_[0]) , ' * x + ' , float(</a:t>
             </a:r>
             <a:r>
-              <a:rPr lang="en-US" dirty="0" err="1"/>
+              <a:rPr lang="en-US" i="1" dirty="0" err="1"/>
               <a:t>lasso.intercept</a:t>
             </a:r>
             <a:r>
-              <a:rPr lang="en-US" dirty="0"/>
+              <a:rPr lang="en-US" i="1" dirty="0"/>
               <a:t>_))</a:t>
             </a:r>
           </a:p>
@@ -14460,31 +14557,31 @@
               <a:buNone/>
             </a:pPr>
             <a:r>
-              <a:rPr lang="en-US" dirty="0"/>
+              <a:rPr lang="en-US" i="1" dirty="0"/>
               <a:t>&gt;&gt;&gt; print('Training Score: {}'.format(</a:t>
             </a:r>
             <a:r>
-              <a:rPr lang="en-US" dirty="0" err="1"/>
+              <a:rPr lang="en-US" i="1" dirty="0" err="1"/>
               <a:t>lasso.score</a:t>
             </a:r>
             <a:r>
-              <a:rPr lang="en-US" dirty="0"/>
+              <a:rPr lang="en-US" i="1" dirty="0"/>
               <a:t>(</a:t>
             </a:r>
             <a:r>
-              <a:rPr lang="en-US" dirty="0" err="1"/>
+              <a:rPr lang="en-US" i="1" dirty="0" err="1"/>
               <a:t>x_train</a:t>
             </a:r>
             <a:r>
-              <a:rPr lang="en-US" dirty="0"/>
+              <a:rPr lang="en-US" i="1" dirty="0"/>
               <a:t>, </a:t>
             </a:r>
             <a:r>
-              <a:rPr lang="en-US" dirty="0" err="1"/>
+              <a:rPr lang="en-US" i="1" dirty="0" err="1"/>
               <a:t>y_train</a:t>
             </a:r>
             <a:r>
-              <a:rPr lang="en-US" dirty="0"/>
+              <a:rPr lang="en-US" i="1" dirty="0"/>
               <a:t>)))</a:t>
             </a:r>
           </a:p>
@@ -14493,70 +14590,67 @@
               <a:buNone/>
             </a:pPr>
             <a:r>
-              <a:rPr lang="en-US" dirty="0"/>
+              <a:rPr lang="en-US" i="1" dirty="0"/>
               <a:t>&gt;&gt;&gt; print('Test Score: {}'.format(</a:t>
             </a:r>
             <a:r>
-              <a:rPr lang="en-US" dirty="0" err="1"/>
+              <a:rPr lang="en-US" i="1" dirty="0" err="1"/>
               <a:t>lasso.score</a:t>
             </a:r>
             <a:r>
-              <a:rPr lang="en-US" dirty="0"/>
+              <a:rPr lang="en-US" i="1" dirty="0"/>
               <a:t>(</a:t>
             </a:r>
             <a:r>
-              <a:rPr lang="en-US" dirty="0" err="1"/>
+              <a:rPr lang="en-US" i="1" dirty="0" err="1"/>
               <a:t>x_test</a:t>
             </a:r>
             <a:r>
-              <a:rPr lang="en-US" dirty="0"/>
+              <a:rPr lang="en-US" i="1" dirty="0"/>
               <a:t>, </a:t>
             </a:r>
             <a:r>
-              <a:rPr lang="en-US" dirty="0" err="1"/>
+              <a:rPr lang="en-US" i="1" dirty="0" err="1"/>
               <a:t>y_test</a:t>
             </a:r>
             <a:r>
-              <a:rPr lang="en-US" dirty="0"/>
+              <a:rPr lang="en-US" i="1" dirty="0"/>
               <a:t>)))</a:t>
             </a:r>
           </a:p>
           <a:p>
-            <a:endParaRPr lang="en-US" dirty="0"/>
-          </a:p>
-          <a:p>
             <a:pPr marL="0" indent="0">
               <a:buNone/>
             </a:pPr>
             <a:r>
-              <a:rPr lang="en-US" dirty="0"/>
+              <a:rPr lang="en-US" i="1" dirty="0"/>
               <a:t>&gt;&gt;&gt; </a:t>
             </a:r>
             <a:r>
-              <a:rPr lang="en-US" dirty="0" err="1"/>
+              <a:rPr lang="en-US" i="1" dirty="0" err="1"/>
               <a:t>y_lasso_pred</a:t>
             </a:r>
             <a:r>
-              <a:rPr lang="en-US" dirty="0"/>
+              <a:rPr lang="en-US" i="1" dirty="0"/>
               <a:t> = </a:t>
             </a:r>
             <a:r>
-              <a:rPr lang="en-US" dirty="0" err="1"/>
+              <a:rPr lang="en-US" i="1" dirty="0" err="1"/>
               <a:t>lasso.predict</a:t>
             </a:r>
             <a:r>
-              <a:rPr lang="en-US" dirty="0"/>
+              <a:rPr lang="en-US" i="1" dirty="0"/>
               <a:t>(</a:t>
             </a:r>
             <a:r>
-              <a:rPr lang="en-US" dirty="0" err="1"/>
+              <a:rPr lang="en-US" i="1" dirty="0" err="1"/>
               <a:t>x_test</a:t>
             </a:r>
             <a:r>
-              <a:rPr lang="en-US" dirty="0"/>
+              <a:rPr lang="en-US" i="1" dirty="0"/>
               <a:t>)</a:t>
             </a:r>
-            <a:endParaRPr lang="el-GR" dirty="0"/>
+            <a:endParaRPr lang="el-GR" i="1" dirty="0"/>
           </a:p>
         </p:txBody>
       </p:sp>
@@ -14686,40 +14780,44 @@
               <a:buNone/>
             </a:pPr>
             <a:r>
+              <a:rPr lang="en-US" i="1" dirty="0"/>
+              <a:t>&gt;&gt;&gt; </a:t>
+            </a:r>
+            <a:r>
+              <a:rPr lang="en-US" i="1" dirty="0" err="1"/>
+              <a:t>conda</a:t>
+            </a:r>
+            <a:r>
+              <a:rPr lang="en-US" i="1" dirty="0"/>
+              <a:t> install </a:t>
+            </a:r>
+            <a:r>
+              <a:rPr lang="en-US" i="1" dirty="0" err="1"/>
+              <a:t>scikit</a:t>
+            </a:r>
+            <a:r>
+              <a:rPr lang="en-US" i="1" dirty="0"/>
+              <a:t>-learn           </a:t>
+            </a:r>
+            <a:r>
               <a:rPr lang="en-US" dirty="0"/>
-              <a:t>&gt;&gt;&gt; </a:t>
-            </a:r>
-            <a:r>
-              <a:rPr lang="en-US" dirty="0" err="1"/>
-              <a:t>conda</a:t>
-            </a:r>
-            <a:r>
-              <a:rPr lang="en-US" dirty="0"/>
-              <a:t> install </a:t>
-            </a:r>
-            <a:r>
-              <a:rPr lang="en-US" dirty="0" err="1"/>
+              <a:t>or</a:t>
+            </a:r>
+          </a:p>
+          <a:p>
+            <a:pPr marL="457200" lvl="1" indent="0">
+              <a:buNone/>
+            </a:pPr>
+            <a:r>
+              <a:rPr lang="en-US" i="1" dirty="0"/>
+              <a:t>&gt;&gt;&gt; pip install –U </a:t>
+            </a:r>
+            <a:r>
+              <a:rPr lang="en-US" i="1" dirty="0" err="1"/>
               <a:t>scikit</a:t>
             </a:r>
             <a:r>
-              <a:rPr lang="en-US" dirty="0"/>
-              <a:t>-learn           or</a:t>
-            </a:r>
-          </a:p>
-          <a:p>
-            <a:pPr marL="457200" lvl="1" indent="0">
-              <a:buNone/>
-            </a:pPr>
-            <a:r>
-              <a:rPr lang="en-US" dirty="0"/>
-              <a:t>&gt;&gt;&gt; pip install –U </a:t>
-            </a:r>
-            <a:r>
-              <a:rPr lang="en-US" dirty="0" err="1"/>
-              <a:t>scikit</a:t>
-            </a:r>
-            <a:r>
-              <a:rPr lang="en-US" dirty="0"/>
+              <a:rPr lang="en-US" i="1" dirty="0"/>
               <a:t>-learn</a:t>
             </a:r>
           </a:p>
@@ -14820,23 +14918,23 @@
               <a:buNone/>
             </a:pPr>
             <a:r>
-              <a:rPr lang="en-US" dirty="0"/>
+              <a:rPr lang="en-US" i="1" dirty="0"/>
               <a:t>&gt;&gt;&gt; </a:t>
             </a:r>
             <a:r>
-              <a:rPr lang="en-US" dirty="0" err="1"/>
+              <a:rPr lang="en-US" i="1" dirty="0" err="1"/>
               <a:t>plt.scatter</a:t>
             </a:r>
             <a:r>
-              <a:rPr lang="en-US" dirty="0"/>
+              <a:rPr lang="en-US" i="1" dirty="0"/>
               <a:t>(</a:t>
             </a:r>
             <a:r>
-              <a:rPr lang="en-US" dirty="0" err="1"/>
+              <a:rPr lang="en-US" i="1" dirty="0" err="1"/>
               <a:t>x_test,y_test</a:t>
             </a:r>
             <a:r>
-              <a:rPr lang="en-US" dirty="0"/>
+              <a:rPr lang="en-US" i="1" dirty="0"/>
               <a:t>)</a:t>
             </a:r>
           </a:p>
@@ -14845,23 +14943,23 @@
               <a:buNone/>
             </a:pPr>
             <a:r>
-              <a:rPr lang="en-US" dirty="0"/>
+              <a:rPr lang="en-US" i="1" dirty="0"/>
               <a:t>&gt;&gt;&gt; </a:t>
             </a:r>
             <a:r>
-              <a:rPr lang="en-US" dirty="0" err="1"/>
+              <a:rPr lang="en-US" i="1" dirty="0" err="1"/>
               <a:t>plt.plot</a:t>
             </a:r>
             <a:r>
-              <a:rPr lang="en-US" dirty="0"/>
+              <a:rPr lang="en-US" i="1" dirty="0"/>
               <a:t>(</a:t>
             </a:r>
             <a:r>
-              <a:rPr lang="en-US" dirty="0" err="1"/>
+              <a:rPr lang="en-US" i="1" dirty="0" err="1"/>
               <a:t>x_test,y_pred</a:t>
             </a:r>
             <a:r>
-              <a:rPr lang="en-US" dirty="0"/>
+              <a:rPr lang="en-US" i="1" dirty="0"/>
               <a:t>)</a:t>
             </a:r>
           </a:p>
@@ -14870,23 +14968,23 @@
               <a:buNone/>
             </a:pPr>
             <a:r>
-              <a:rPr lang="en-US" dirty="0"/>
+              <a:rPr lang="en-US" i="1" dirty="0"/>
               <a:t>&gt;&gt;&gt; </a:t>
             </a:r>
             <a:r>
-              <a:rPr lang="en-US" dirty="0" err="1"/>
+              <a:rPr lang="en-US" i="1" dirty="0" err="1"/>
               <a:t>plt.plot</a:t>
             </a:r>
             <a:r>
-              <a:rPr lang="en-US" dirty="0"/>
+              <a:rPr lang="en-US" i="1" dirty="0"/>
               <a:t>(</a:t>
             </a:r>
             <a:r>
-              <a:rPr lang="en-US" dirty="0" err="1"/>
+              <a:rPr lang="en-US" i="1" dirty="0" err="1"/>
               <a:t>x_test,y_ridge_pred,color</a:t>
             </a:r>
             <a:r>
-              <a:rPr lang="en-US" dirty="0"/>
+              <a:rPr lang="en-US" i="1" dirty="0"/>
               <a:t>='black’)</a:t>
             </a:r>
           </a:p>
@@ -14895,31 +14993,31 @@
               <a:buNone/>
             </a:pPr>
             <a:r>
-              <a:rPr lang="en-US" dirty="0"/>
+              <a:rPr lang="en-US" i="1" dirty="0"/>
               <a:t>&gt;&gt;&gt; </a:t>
             </a:r>
             <a:r>
-              <a:rPr lang="en-US" dirty="0" err="1"/>
+              <a:rPr lang="en-US" i="1" dirty="0" err="1"/>
               <a:t>plt.plot</a:t>
             </a:r>
             <a:r>
-              <a:rPr lang="en-US" dirty="0"/>
+              <a:rPr lang="en-US" i="1" dirty="0"/>
               <a:t>(</a:t>
             </a:r>
             <a:r>
-              <a:rPr lang="en-US" dirty="0" err="1"/>
+              <a:rPr lang="en-US" i="1" dirty="0" err="1"/>
               <a:t>x_test</a:t>
             </a:r>
             <a:r>
-              <a:rPr lang="en-US" dirty="0"/>
+              <a:rPr lang="en-US" i="1" dirty="0"/>
               <a:t>, </a:t>
             </a:r>
             <a:r>
-              <a:rPr lang="en-US" dirty="0" err="1"/>
+              <a:rPr lang="en-US" i="1" dirty="0" err="1"/>
               <a:t>y_lasso_pred</a:t>
             </a:r>
             <a:r>
-              <a:rPr lang="en-US" dirty="0"/>
+              <a:rPr lang="en-US" i="1" dirty="0"/>
               <a:t>, color='red’)</a:t>
             </a:r>
           </a:p>
@@ -14928,18 +15026,18 @@
               <a:buNone/>
             </a:pPr>
             <a:r>
-              <a:rPr lang="en-US" dirty="0"/>
+              <a:rPr lang="en-US" i="1" dirty="0"/>
               <a:t>&gt;&gt;&gt;</a:t>
             </a:r>
             <a:r>
-              <a:rPr lang="en-US" dirty="0" err="1"/>
+              <a:rPr lang="en-US" i="1" dirty="0" err="1"/>
               <a:t>plt.show</a:t>
             </a:r>
             <a:r>
-              <a:rPr lang="en-US" dirty="0"/>
+              <a:rPr lang="en-US" i="1" dirty="0"/>
               <a:t>()</a:t>
             </a:r>
-            <a:endParaRPr lang="el-GR" dirty="0"/>
+            <a:endParaRPr lang="el-GR" i="1" dirty="0"/>
           </a:p>
         </p:txBody>
       </p:sp>
@@ -15386,7 +15484,12 @@
             <p:ph idx="1"/>
           </p:nvPr>
         </p:nvSpPr>
-        <p:spPr/>
+        <p:spPr>
+          <a:xfrm>
+            <a:off x="1141412" y="2249487"/>
+            <a:ext cx="9905999" cy="3541714"/>
+          </a:xfrm>
+        </p:spPr>
         <p:txBody>
           <a:bodyPr>
             <a:normAutofit lnSpcReduction="10000"/>
@@ -15397,24 +15500,24 @@
               <a:buNone/>
             </a:pPr>
             <a:r>
-              <a:rPr lang="en-US" dirty="0"/>
+              <a:rPr lang="en-US" i="1" dirty="0"/>
               <a:t>&gt;&gt;&gt; </a:t>
             </a:r>
             <a:r>
-              <a:rPr lang="en-US" dirty="0" err="1"/>
+              <a:rPr lang="en-US" i="1" dirty="0" err="1"/>
               <a:t>lr_model</a:t>
             </a:r>
             <a:r>
-              <a:rPr lang="en-US" dirty="0"/>
+              <a:rPr lang="en-US" i="1" dirty="0"/>
               <a:t> = </a:t>
             </a:r>
             <a:r>
-              <a:rPr lang="en-US" dirty="0" err="1"/>
+              <a:rPr lang="en-US" i="1" dirty="0" err="1"/>
               <a:t>linear_model.LinearRegression</a:t>
             </a:r>
             <a:r>
-              <a:rPr lang="en-US" dirty="0"/>
-              <a:t>() </a:t>
+              <a:rPr lang="en-US" i="1" dirty="0"/>
+              <a:t>( ) </a:t>
             </a:r>
           </a:p>
           <a:p>
@@ -15431,15 +15534,15 @@
               <a:buNone/>
             </a:pPr>
             <a:r>
-              <a:rPr lang="en-US" dirty="0"/>
+              <a:rPr lang="en-US" i="1" dirty="0"/>
               <a:t>&gt;&gt;&gt; </a:t>
             </a:r>
             <a:r>
-              <a:rPr lang="en-US" dirty="0" err="1"/>
+              <a:rPr lang="en-US" i="1" dirty="0" err="1"/>
               <a:t>lr_model.fit</a:t>
             </a:r>
             <a:r>
-              <a:rPr lang="en-US" dirty="0"/>
+              <a:rPr lang="en-US" i="1" dirty="0"/>
               <a:t>(X , y)</a:t>
             </a:r>
           </a:p>
@@ -15457,15 +15560,15 @@
               <a:buNone/>
             </a:pPr>
             <a:r>
-              <a:rPr lang="en-US" dirty="0"/>
+              <a:rPr lang="en-US" i="1" dirty="0"/>
               <a:t>&gt;&gt;&gt; </a:t>
             </a:r>
             <a:r>
-              <a:rPr lang="en-US" dirty="0" err="1"/>
+              <a:rPr lang="en-US" i="1" dirty="0" err="1"/>
               <a:t>lr_predict</a:t>
             </a:r>
             <a:r>
-              <a:rPr lang="en-US" dirty="0"/>
+              <a:rPr lang="en-US" i="1" dirty="0"/>
               <a:t>(X)</a:t>
             </a:r>
           </a:p>
@@ -15569,31 +15672,31 @@
               <a:buNone/>
             </a:pPr>
             <a:r>
-              <a:rPr lang="en-US" dirty="0"/>
+              <a:rPr lang="en-US" i="1" dirty="0"/>
               <a:t>&gt;&gt;&gt; </a:t>
             </a:r>
             <a:r>
-              <a:rPr lang="en-US" dirty="0" err="1"/>
+              <a:rPr lang="en-US" i="1" dirty="0" err="1"/>
               <a:t>lr_model.score</a:t>
             </a:r>
             <a:r>
-              <a:rPr lang="en-US" dirty="0"/>
+              <a:rPr lang="en-US" i="1" dirty="0"/>
               <a:t>(</a:t>
             </a:r>
             <a:r>
-              <a:rPr lang="en-US" dirty="0" err="1"/>
+              <a:rPr lang="en-US" i="1" dirty="0" err="1"/>
               <a:t>X_test</a:t>
             </a:r>
             <a:r>
-              <a:rPr lang="en-US" dirty="0"/>
+              <a:rPr lang="en-US" i="1" dirty="0"/>
               <a:t>, </a:t>
             </a:r>
             <a:r>
-              <a:rPr lang="en-US" dirty="0" err="1"/>
+              <a:rPr lang="en-US" i="1" dirty="0" err="1"/>
               <a:t>y_test</a:t>
             </a:r>
             <a:r>
-              <a:rPr lang="en-US" dirty="0"/>
+              <a:rPr lang="en-US" i="1" dirty="0"/>
               <a:t>)</a:t>
             </a:r>
           </a:p>
@@ -15611,15 +15714,15 @@
               <a:buNone/>
             </a:pPr>
             <a:r>
-              <a:rPr lang="en-US" dirty="0"/>
+              <a:rPr lang="en-US" i="1" dirty="0"/>
               <a:t>&gt;&gt;&gt; </a:t>
             </a:r>
             <a:r>
-              <a:rPr lang="en-US" dirty="0" err="1"/>
+              <a:rPr lang="en-US" i="1" dirty="0" err="1"/>
               <a:t>lr_model.coef</a:t>
             </a:r>
             <a:r>
-              <a:rPr lang="en-US" dirty="0"/>
+              <a:rPr lang="en-US" i="1" dirty="0"/>
               <a:t>_</a:t>
             </a:r>
           </a:p>
@@ -15637,15 +15740,15 @@
               <a:buNone/>
             </a:pPr>
             <a:r>
-              <a:rPr lang="en-US" dirty="0"/>
+              <a:rPr lang="en-US" i="1" dirty="0"/>
               <a:t>&gt;&gt;&gt; </a:t>
             </a:r>
             <a:r>
-              <a:rPr lang="en-US" dirty="0" err="1"/>
+              <a:rPr lang="en-US" i="1" dirty="0" err="1"/>
               <a:t>lr_model.intercept</a:t>
             </a:r>
             <a:r>
-              <a:rPr lang="en-US" dirty="0"/>
+              <a:rPr lang="en-US" i="1" dirty="0"/>
               <a:t>_</a:t>
             </a:r>
           </a:p>
@@ -15753,15 +15856,15 @@
               <a:buNone/>
             </a:pPr>
             <a:r>
-              <a:rPr lang="en-US" dirty="0"/>
+              <a:rPr lang="en-US" i="1" dirty="0"/>
               <a:t>&gt;&gt;&gt; ridge = </a:t>
             </a:r>
             <a:r>
-              <a:rPr lang="en-US" dirty="0" err="1"/>
+              <a:rPr lang="en-US" i="1" dirty="0" err="1"/>
               <a:t>linear_model.Ridge</a:t>
             </a:r>
             <a:r>
-              <a:rPr lang="en-US" dirty="0"/>
+              <a:rPr lang="en-US" i="1" dirty="0"/>
               <a:t>(alpha=1.0)</a:t>
             </a:r>
           </a:p>
@@ -15779,15 +15882,15 @@
               <a:buNone/>
             </a:pPr>
             <a:r>
-              <a:rPr lang="en-US" dirty="0"/>
+              <a:rPr lang="en-US" i="1" dirty="0"/>
               <a:t>&gt;&gt;&gt; </a:t>
             </a:r>
             <a:r>
-              <a:rPr lang="en-US" dirty="0" err="1"/>
+              <a:rPr lang="en-US" i="1" dirty="0" err="1"/>
               <a:t>ridge.fit</a:t>
             </a:r>
             <a:r>
-              <a:rPr lang="en-US" dirty="0"/>
+              <a:rPr lang="en-US" i="1" dirty="0"/>
               <a:t>(X, y)</a:t>
             </a:r>
           </a:p>
@@ -15796,15 +15899,15 @@
               <a:buNone/>
             </a:pPr>
             <a:r>
-              <a:rPr lang="en-US" dirty="0"/>
+              <a:rPr lang="en-US" i="1" dirty="0"/>
               <a:t>&gt;&gt;&gt; </a:t>
             </a:r>
             <a:r>
-              <a:rPr lang="en-US" dirty="0" err="1"/>
+              <a:rPr lang="en-US" i="1" dirty="0" err="1"/>
               <a:t>ridge.predict</a:t>
             </a:r>
             <a:r>
-              <a:rPr lang="en-US" dirty="0"/>
+              <a:rPr lang="en-US" i="1" dirty="0"/>
               <a:t>(X)</a:t>
             </a:r>
           </a:p>
@@ -15897,31 +16000,31 @@
               <a:buNone/>
             </a:pPr>
             <a:r>
-              <a:rPr lang="en-US" dirty="0"/>
+              <a:rPr lang="en-US" i="1" dirty="0"/>
               <a:t>&gt;&gt;&gt; </a:t>
             </a:r>
             <a:r>
-              <a:rPr lang="en-US" dirty="0" err="1"/>
+              <a:rPr lang="en-US" i="1" dirty="0" err="1"/>
               <a:t>ridge.score</a:t>
             </a:r>
             <a:r>
-              <a:rPr lang="en-US" dirty="0"/>
+              <a:rPr lang="en-US" i="1" dirty="0"/>
               <a:t>(</a:t>
             </a:r>
             <a:r>
-              <a:rPr lang="en-US" dirty="0" err="1"/>
+              <a:rPr lang="en-US" i="1" dirty="0" err="1"/>
               <a:t>X_test</a:t>
             </a:r>
             <a:r>
-              <a:rPr lang="en-US" dirty="0"/>
+              <a:rPr lang="en-US" i="1" dirty="0"/>
               <a:t>, </a:t>
             </a:r>
             <a:r>
-              <a:rPr lang="en-US" dirty="0" err="1"/>
+              <a:rPr lang="en-US" i="1" dirty="0" err="1"/>
               <a:t>y_test</a:t>
             </a:r>
             <a:r>
-              <a:rPr lang="en-US" dirty="0"/>
+              <a:rPr lang="en-US" i="1" dirty="0"/>
               <a:t>)</a:t>
             </a:r>
           </a:p>
@@ -15929,22 +16032,22 @@
             <a:pPr marL="0" indent="0">
               <a:buNone/>
             </a:pPr>
-            <a:endParaRPr lang="en-US" dirty="0"/>
+            <a:endParaRPr lang="en-US" i="1" dirty="0"/>
           </a:p>
           <a:p>
             <a:pPr marL="0" indent="0">
               <a:buNone/>
             </a:pPr>
             <a:r>
-              <a:rPr lang="en-US" dirty="0"/>
+              <a:rPr lang="en-US" i="1" dirty="0"/>
               <a:t>&gt;&gt;&gt; </a:t>
             </a:r>
             <a:r>
-              <a:rPr lang="en-US" dirty="0" err="1"/>
+              <a:rPr lang="en-US" i="1" dirty="0" err="1"/>
               <a:t>ridge.coeff</a:t>
             </a:r>
             <a:r>
-              <a:rPr lang="en-US" dirty="0"/>
+              <a:rPr lang="en-US" i="1" dirty="0"/>
               <a:t>_</a:t>
             </a:r>
           </a:p>
@@ -15952,25 +16055,25 @@
             <a:pPr marL="0" indent="0">
               <a:buNone/>
             </a:pPr>
-            <a:endParaRPr lang="en-US" dirty="0"/>
+            <a:endParaRPr lang="en-US" i="1" dirty="0"/>
           </a:p>
           <a:p>
             <a:pPr marL="0" indent="0">
               <a:buNone/>
             </a:pPr>
             <a:r>
-              <a:rPr lang="en-US" dirty="0"/>
+              <a:rPr lang="en-US" i="1" dirty="0"/>
               <a:t>&gt;&gt;&gt; </a:t>
             </a:r>
             <a:r>
-              <a:rPr lang="en-US" dirty="0" err="1"/>
+              <a:rPr lang="en-US" i="1" dirty="0" err="1"/>
               <a:t>ridge.intercept</a:t>
             </a:r>
             <a:r>
-              <a:rPr lang="en-US" dirty="0"/>
+              <a:rPr lang="en-US" i="1" dirty="0"/>
               <a:t>_</a:t>
             </a:r>
-            <a:endParaRPr lang="el-GR" dirty="0"/>
+            <a:endParaRPr lang="el-GR" i="1" dirty="0"/>
           </a:p>
         </p:txBody>
       </p:sp>
@@ -16066,15 +16169,15 @@
               <a:buNone/>
             </a:pPr>
             <a:r>
-              <a:rPr lang="en-US" dirty="0"/>
+              <a:rPr lang="en-US" i="1" dirty="0"/>
               <a:t>&gt;&gt;&gt; lasso = </a:t>
             </a:r>
             <a:r>
-              <a:rPr lang="en-US" dirty="0" err="1"/>
+              <a:rPr lang="en-US" i="1" dirty="0" err="1"/>
               <a:t>linear_model.Lasso</a:t>
             </a:r>
             <a:r>
-              <a:rPr lang="en-US" dirty="0"/>
+              <a:rPr lang="en-US" i="1" dirty="0"/>
               <a:t>(alpha=0.1)</a:t>
             </a:r>
           </a:p>
@@ -16092,15 +16195,15 @@
               <a:buNone/>
             </a:pPr>
             <a:r>
-              <a:rPr lang="en-US" dirty="0"/>
+              <a:rPr lang="en-US" i="1" dirty="0"/>
               <a:t>&gt;&gt;&gt; </a:t>
             </a:r>
             <a:r>
-              <a:rPr lang="en-US" dirty="0" err="1"/>
+              <a:rPr lang="en-US" i="1" dirty="0" err="1"/>
               <a:t>lasso.fit</a:t>
             </a:r>
             <a:r>
-              <a:rPr lang="en-US" dirty="0"/>
+              <a:rPr lang="en-US" i="1" dirty="0"/>
               <a:t>(X, y)</a:t>
             </a:r>
           </a:p>
@@ -16109,15 +16212,15 @@
               <a:buNone/>
             </a:pPr>
             <a:r>
-              <a:rPr lang="en-US" dirty="0"/>
+              <a:rPr lang="en-US" i="1" dirty="0"/>
               <a:t>&gt;&gt;&gt; </a:t>
             </a:r>
             <a:r>
-              <a:rPr lang="en-US" dirty="0" err="1"/>
+              <a:rPr lang="en-US" i="1" dirty="0" err="1"/>
               <a:t>lasso.predict</a:t>
             </a:r>
             <a:r>
-              <a:rPr lang="en-US" dirty="0"/>
+              <a:rPr lang="en-US" i="1" dirty="0"/>
               <a:t>(X)</a:t>
             </a:r>
           </a:p>
